--- a/ANITA_WP5_T5.1 - JADS - SitRep.pptx
+++ b/ANITA_WP5_T5.1 - JADS - SitRep.pptx
@@ -222,7 +222,7 @@
           <a:p>
             <a:fld id="{3032BA57-DC32-4F4F-A2BB-B0927F85FBB7}" type="datetimeFigureOut">
               <a:rPr lang="en-US" smtClean="0"/>
-              <a:t>11/20/18</a:t>
+              <a:t>11/26/18</a:t>
             </a:fld>
             <a:endParaRPr lang="en-US"/>
           </a:p>
@@ -8202,7 +8202,12 @@
             <p:ph idx="1"/>
           </p:nvPr>
         </p:nvSpPr>
-        <p:spPr/>
+        <p:spPr>
+          <a:xfrm>
+            <a:off x="735062" y="2366716"/>
+            <a:ext cx="9221689" cy="4442242"/>
+          </a:xfrm>
+        </p:spPr>
         <p:txBody>
           <a:bodyPr>
             <a:normAutofit lnSpcReduction="10000"/>
@@ -10635,7 +10640,7 @@
         </p:blipFill>
         <p:spPr>
           <a:xfrm>
-            <a:off x="0" y="2347130"/>
+            <a:off x="495" y="2256598"/>
             <a:ext cx="10691813" cy="5212545"/>
           </a:xfrm>
           <a:prstGeom prst="rect">

--- a/ANITA_WP5_T5.1 - JADS - SitRep.pptx
+++ b/ANITA_WP5_T5.1 - JADS - SitRep.pptx
@@ -5,7 +5,7 @@
     <p:sldMasterId id="2147483685" r:id="rId1"/>
   </p:sldMasterIdLst>
   <p:notesMasterIdLst>
-    <p:notesMasterId r:id="rId14"/>
+    <p:notesMasterId r:id="rId21"/>
   </p:notesMasterIdLst>
   <p:sldIdLst>
     <p:sldId id="256" r:id="rId2"/>
@@ -17,9 +17,16 @@
     <p:sldId id="286" r:id="rId8"/>
     <p:sldId id="277" r:id="rId9"/>
     <p:sldId id="285" r:id="rId10"/>
-    <p:sldId id="265" r:id="rId11"/>
-    <p:sldId id="283" r:id="rId12"/>
-    <p:sldId id="260" r:id="rId13"/>
+    <p:sldId id="293" r:id="rId11"/>
+    <p:sldId id="294" r:id="rId12"/>
+    <p:sldId id="289" r:id="rId13"/>
+    <p:sldId id="290" r:id="rId14"/>
+    <p:sldId id="291" r:id="rId15"/>
+    <p:sldId id="292" r:id="rId16"/>
+    <p:sldId id="295" r:id="rId17"/>
+    <p:sldId id="265" r:id="rId18"/>
+    <p:sldId id="283" r:id="rId19"/>
+    <p:sldId id="260" r:id="rId20"/>
   </p:sldIdLst>
   <p:sldSz cx="10691813" cy="7559675"/>
   <p:notesSz cx="6858000" cy="9144000"/>
@@ -222,7 +229,7 @@
           <a:p>
             <a:fld id="{3032BA57-DC32-4F4F-A2BB-B0927F85FBB7}" type="datetimeFigureOut">
               <a:rPr lang="en-US" smtClean="0"/>
-              <a:t>11/26/18</a:t>
+              <a:t>11/27/18</a:t>
             </a:fld>
             <a:endParaRPr lang="en-US"/>
           </a:p>
@@ -6248,6 +6255,2875 @@
       </p:grpSpPr>
       <p:sp>
         <p:nvSpPr>
+          <p:cNvPr id="3" name="Slide Number Placeholder 2">
+            <a:extLst>
+              <a:ext uri="{FF2B5EF4-FFF2-40B4-BE49-F238E27FC236}">
+                <a16:creationId xmlns:a16="http://schemas.microsoft.com/office/drawing/2014/main" id="{656C69FB-6286-2F4F-B0C5-8C08332C3F73}"/>
+              </a:ext>
+            </a:extLst>
+          </p:cNvPr>
+          <p:cNvSpPr>
+            <a:spLocks noGrp="1"/>
+          </p:cNvSpPr>
+          <p:nvPr>
+            <p:ph type="sldNum" sz="quarter" idx="12"/>
+          </p:nvPr>
+        </p:nvSpPr>
+        <p:spPr/>
+        <p:txBody>
+          <a:bodyPr/>
+          <a:lstStyle/>
+          <a:p>
+            <a:fld id="{1ECA7B76-5FFE-B84B-8D18-C32D522DFC7F}" type="slidenum">
+              <a:rPr lang="it-IT" smtClean="0"/>
+              <a:pPr/>
+              <a:t>10</a:t>
+            </a:fld>
+            <a:endParaRPr lang="it-IT" dirty="0"/>
+          </a:p>
+        </p:txBody>
+      </p:sp>
+      <p:pic>
+        <p:nvPicPr>
+          <p:cNvPr id="5" name="Picture 4">
+            <a:extLst>
+              <a:ext uri="{FF2B5EF4-FFF2-40B4-BE49-F238E27FC236}">
+                <a16:creationId xmlns:a16="http://schemas.microsoft.com/office/drawing/2014/main" id="{59F7373E-6A95-794A-9EEE-867305FF5232}"/>
+              </a:ext>
+            </a:extLst>
+          </p:cNvPr>
+          <p:cNvPicPr>
+            <a:picLocks noChangeAspect="1"/>
+          </p:cNvPicPr>
+          <p:nvPr/>
+        </p:nvPicPr>
+        <p:blipFill>
+          <a:blip r:embed="rId2"/>
+          <a:stretch>
+            <a:fillRect/>
+          </a:stretch>
+        </p:blipFill>
+        <p:spPr>
+          <a:xfrm>
+            <a:off x="495" y="2256598"/>
+            <a:ext cx="10691813" cy="5212545"/>
+          </a:xfrm>
+          <a:prstGeom prst="rect">
+            <a:avLst/>
+          </a:prstGeom>
+        </p:spPr>
+      </p:pic>
+      <p:sp>
+        <p:nvSpPr>
+          <p:cNvPr id="7" name="Text Placeholder 3">
+            <a:extLst>
+              <a:ext uri="{FF2B5EF4-FFF2-40B4-BE49-F238E27FC236}">
+                <a16:creationId xmlns:a16="http://schemas.microsoft.com/office/drawing/2014/main" id="{BAE97FD7-8D6F-8746-A787-8CF21C3D97A3}"/>
+              </a:ext>
+            </a:extLst>
+          </p:cNvPr>
+          <p:cNvSpPr txBox="1">
+            <a:spLocks/>
+          </p:cNvSpPr>
+          <p:nvPr/>
+        </p:nvSpPr>
+        <p:spPr>
+          <a:xfrm>
+            <a:off x="887413" y="568325"/>
+            <a:ext cx="4557712" cy="1071563"/>
+          </a:xfrm>
+          <a:prstGeom prst="rect">
+            <a:avLst/>
+          </a:prstGeom>
+        </p:spPr>
+        <p:txBody>
+          <a:bodyPr vert="horz" lIns="91440" tIns="45720" rIns="91440" bIns="45720" rtlCol="0">
+            <a:normAutofit fontScale="77500" lnSpcReduction="20000"/>
+          </a:bodyPr>
+          <a:lstStyle>
+            <a:lvl1pPr marL="0" indent="0" algn="l" defTabSz="1007943" rtl="0" eaLnBrk="1" latinLnBrk="0" hangingPunct="1">
+              <a:lnSpc>
+                <a:spcPct val="100000"/>
+              </a:lnSpc>
+              <a:spcBef>
+                <a:spcPts val="1702"/>
+              </a:spcBef>
+              <a:buFontTx/>
+              <a:buNone/>
+              <a:defRPr sz="4800" b="1" i="0" kern="1200">
+                <a:solidFill>
+                  <a:schemeClr val="bg1"/>
+                </a:solidFill>
+                <a:latin typeface="Pangram ExtraBold" pitchFamily="2" charset="77"/>
+                <a:ea typeface="+mn-ea"/>
+                <a:cs typeface="+mn-cs"/>
+              </a:defRPr>
+            </a:lvl1pPr>
+            <a:lvl2pPr marL="503971" indent="0" algn="l" defTabSz="1007943" rtl="0" eaLnBrk="1" latinLnBrk="0" hangingPunct="1">
+              <a:lnSpc>
+                <a:spcPct val="90000"/>
+              </a:lnSpc>
+              <a:spcBef>
+                <a:spcPts val="551"/>
+              </a:spcBef>
+              <a:buFontTx/>
+              <a:buNone/>
+              <a:defRPr sz="2646" kern="1200">
+                <a:solidFill>
+                  <a:schemeClr val="tx1"/>
+                </a:solidFill>
+                <a:latin typeface="Pangram" pitchFamily="2" charset="77"/>
+                <a:ea typeface="+mn-ea"/>
+                <a:cs typeface="+mn-cs"/>
+              </a:defRPr>
+            </a:lvl2pPr>
+            <a:lvl3pPr marL="1007943" indent="0" algn="l" defTabSz="1007943" rtl="0" eaLnBrk="1" latinLnBrk="0" hangingPunct="1">
+              <a:lnSpc>
+                <a:spcPct val="90000"/>
+              </a:lnSpc>
+              <a:spcBef>
+                <a:spcPts val="551"/>
+              </a:spcBef>
+              <a:buFontTx/>
+              <a:buNone/>
+              <a:defRPr sz="2205" kern="1200">
+                <a:solidFill>
+                  <a:schemeClr val="tx1"/>
+                </a:solidFill>
+                <a:latin typeface="Pangram" pitchFamily="2" charset="77"/>
+                <a:ea typeface="+mn-ea"/>
+                <a:cs typeface="+mn-cs"/>
+              </a:defRPr>
+            </a:lvl3pPr>
+            <a:lvl4pPr marL="1511914" indent="0" algn="l" defTabSz="1007943" rtl="0" eaLnBrk="1" latinLnBrk="0" hangingPunct="1">
+              <a:lnSpc>
+                <a:spcPct val="90000"/>
+              </a:lnSpc>
+              <a:spcBef>
+                <a:spcPts val="551"/>
+              </a:spcBef>
+              <a:buFontTx/>
+              <a:buNone/>
+              <a:defRPr sz="1984" kern="1200">
+                <a:solidFill>
+                  <a:schemeClr val="tx1"/>
+                </a:solidFill>
+                <a:latin typeface="Pangram" pitchFamily="2" charset="77"/>
+                <a:ea typeface="+mn-ea"/>
+                <a:cs typeface="+mn-cs"/>
+              </a:defRPr>
+            </a:lvl4pPr>
+            <a:lvl5pPr marL="2015886" indent="0" algn="l" defTabSz="1007943" rtl="0" eaLnBrk="1" latinLnBrk="0" hangingPunct="1">
+              <a:lnSpc>
+                <a:spcPct val="90000"/>
+              </a:lnSpc>
+              <a:spcBef>
+                <a:spcPts val="551"/>
+              </a:spcBef>
+              <a:buFontTx/>
+              <a:buNone/>
+              <a:defRPr sz="1984" kern="1200">
+                <a:solidFill>
+                  <a:schemeClr val="tx1"/>
+                </a:solidFill>
+                <a:latin typeface="Pangram" pitchFamily="2" charset="77"/>
+                <a:ea typeface="+mn-ea"/>
+                <a:cs typeface="+mn-cs"/>
+              </a:defRPr>
+            </a:lvl5pPr>
+            <a:lvl6pPr marL="2771844" indent="-251986" algn="l" defTabSz="1007943" rtl="0" eaLnBrk="1" latinLnBrk="0" hangingPunct="1">
+              <a:lnSpc>
+                <a:spcPct val="90000"/>
+              </a:lnSpc>
+              <a:spcBef>
+                <a:spcPts val="551"/>
+              </a:spcBef>
+              <a:buFont typeface="Arial" panose="020B0604020202020204" pitchFamily="34" charset="0"/>
+              <a:buChar char="•"/>
+              <a:defRPr sz="1984" kern="1200">
+                <a:solidFill>
+                  <a:schemeClr val="tx1"/>
+                </a:solidFill>
+                <a:latin typeface="+mn-lt"/>
+                <a:ea typeface="+mn-ea"/>
+                <a:cs typeface="+mn-cs"/>
+              </a:defRPr>
+            </a:lvl6pPr>
+            <a:lvl7pPr marL="3275815" indent="-251986" algn="l" defTabSz="1007943" rtl="0" eaLnBrk="1" latinLnBrk="0" hangingPunct="1">
+              <a:lnSpc>
+                <a:spcPct val="90000"/>
+              </a:lnSpc>
+              <a:spcBef>
+                <a:spcPts val="551"/>
+              </a:spcBef>
+              <a:buFont typeface="Arial" panose="020B0604020202020204" pitchFamily="34" charset="0"/>
+              <a:buChar char="•"/>
+              <a:defRPr sz="1984" kern="1200">
+                <a:solidFill>
+                  <a:schemeClr val="tx1"/>
+                </a:solidFill>
+                <a:latin typeface="+mn-lt"/>
+                <a:ea typeface="+mn-ea"/>
+                <a:cs typeface="+mn-cs"/>
+              </a:defRPr>
+            </a:lvl7pPr>
+            <a:lvl8pPr marL="3779787" indent="-251986" algn="l" defTabSz="1007943" rtl="0" eaLnBrk="1" latinLnBrk="0" hangingPunct="1">
+              <a:lnSpc>
+                <a:spcPct val="90000"/>
+              </a:lnSpc>
+              <a:spcBef>
+                <a:spcPts val="551"/>
+              </a:spcBef>
+              <a:buFont typeface="Arial" panose="020B0604020202020204" pitchFamily="34" charset="0"/>
+              <a:buChar char="•"/>
+              <a:defRPr sz="1984" kern="1200">
+                <a:solidFill>
+                  <a:schemeClr val="tx1"/>
+                </a:solidFill>
+                <a:latin typeface="+mn-lt"/>
+                <a:ea typeface="+mn-ea"/>
+                <a:cs typeface="+mn-cs"/>
+              </a:defRPr>
+            </a:lvl8pPr>
+            <a:lvl9pPr marL="4283758" indent="-251986" algn="l" defTabSz="1007943" rtl="0" eaLnBrk="1" latinLnBrk="0" hangingPunct="1">
+              <a:lnSpc>
+                <a:spcPct val="90000"/>
+              </a:lnSpc>
+              <a:spcBef>
+                <a:spcPts val="551"/>
+              </a:spcBef>
+              <a:buFont typeface="Arial" panose="020B0604020202020204" pitchFamily="34" charset="0"/>
+              <a:buChar char="•"/>
+              <a:defRPr sz="1984" kern="1200">
+                <a:solidFill>
+                  <a:schemeClr val="tx1"/>
+                </a:solidFill>
+                <a:latin typeface="+mn-lt"/>
+                <a:ea typeface="+mn-ea"/>
+                <a:cs typeface="+mn-cs"/>
+              </a:defRPr>
+            </a:lvl9pPr>
+          </a:lstStyle>
+          <a:p>
+            <a:r>
+              <a:rPr lang="it-IT"/>
+              <a:t>Creating a Dataset Matching the Results</a:t>
+            </a:r>
+            <a:endParaRPr lang="it-IT" dirty="0"/>
+          </a:p>
+        </p:txBody>
+      </p:sp>
+      <p:sp>
+        <p:nvSpPr>
+          <p:cNvPr id="8" name="Rectangle 7">
+            <a:extLst>
+              <a:ext uri="{FF2B5EF4-FFF2-40B4-BE49-F238E27FC236}">
+                <a16:creationId xmlns:a16="http://schemas.microsoft.com/office/drawing/2014/main" id="{D714184B-B393-7444-8799-C9EECEA69C4C}"/>
+              </a:ext>
+            </a:extLst>
+          </p:cNvPr>
+          <p:cNvSpPr/>
+          <p:nvPr/>
+        </p:nvSpPr>
+        <p:spPr>
+          <a:xfrm>
+            <a:off x="5306786" y="3908169"/>
+            <a:ext cx="2841171" cy="1447602"/>
+          </a:xfrm>
+          <a:prstGeom prst="rect">
+            <a:avLst/>
+          </a:prstGeom>
+          <a:solidFill>
+            <a:schemeClr val="accent1">
+              <a:alpha val="18000"/>
+            </a:schemeClr>
+          </a:solidFill>
+        </p:spPr>
+        <p:style>
+          <a:lnRef idx="2">
+            <a:schemeClr val="accent1">
+              <a:shade val="50000"/>
+            </a:schemeClr>
+          </a:lnRef>
+          <a:fillRef idx="1">
+            <a:schemeClr val="accent1"/>
+          </a:fillRef>
+          <a:effectRef idx="0">
+            <a:schemeClr val="accent1"/>
+          </a:effectRef>
+          <a:fontRef idx="minor">
+            <a:schemeClr val="lt1"/>
+          </a:fontRef>
+        </p:style>
+        <p:txBody>
+          <a:bodyPr rtlCol="0" anchor="ctr"/>
+          <a:lstStyle/>
+          <a:p>
+            <a:pPr algn="ctr"/>
+            <a:endParaRPr lang="it-IT" dirty="0"/>
+          </a:p>
+        </p:txBody>
+      </p:sp>
+      <p:sp>
+        <p:nvSpPr>
+          <p:cNvPr id="9" name="Rectangle 8">
+            <a:extLst>
+              <a:ext uri="{FF2B5EF4-FFF2-40B4-BE49-F238E27FC236}">
+                <a16:creationId xmlns:a16="http://schemas.microsoft.com/office/drawing/2014/main" id="{8833A7FB-FDDF-5044-9CF8-08DB1DB6DBF6}"/>
+              </a:ext>
+            </a:extLst>
+          </p:cNvPr>
+          <p:cNvSpPr/>
+          <p:nvPr/>
+        </p:nvSpPr>
+        <p:spPr>
+          <a:xfrm>
+            <a:off x="5290458" y="5355771"/>
+            <a:ext cx="2841171" cy="2204357"/>
+          </a:xfrm>
+          <a:prstGeom prst="rect">
+            <a:avLst/>
+          </a:prstGeom>
+          <a:solidFill>
+            <a:schemeClr val="accent1">
+              <a:alpha val="18000"/>
+            </a:schemeClr>
+          </a:solidFill>
+        </p:spPr>
+        <p:style>
+          <a:lnRef idx="2">
+            <a:schemeClr val="accent1">
+              <a:shade val="50000"/>
+            </a:schemeClr>
+          </a:lnRef>
+          <a:fillRef idx="1">
+            <a:schemeClr val="accent1"/>
+          </a:fillRef>
+          <a:effectRef idx="0">
+            <a:schemeClr val="accent1"/>
+          </a:effectRef>
+          <a:fontRef idx="minor">
+            <a:schemeClr val="lt1"/>
+          </a:fontRef>
+        </p:style>
+        <p:txBody>
+          <a:bodyPr rtlCol="0" anchor="ctr"/>
+          <a:lstStyle/>
+          <a:p>
+            <a:pPr algn="ctr"/>
+            <a:endParaRPr lang="it-IT" dirty="0"/>
+          </a:p>
+        </p:txBody>
+      </p:sp>
+      <p:sp>
+        <p:nvSpPr>
+          <p:cNvPr id="10" name="Rectangle 9">
+            <a:extLst>
+              <a:ext uri="{FF2B5EF4-FFF2-40B4-BE49-F238E27FC236}">
+                <a16:creationId xmlns:a16="http://schemas.microsoft.com/office/drawing/2014/main" id="{EE081BB1-FEFA-534F-AFDE-A0B2991E56BB}"/>
+              </a:ext>
+            </a:extLst>
+          </p:cNvPr>
+          <p:cNvSpPr/>
+          <p:nvPr/>
+        </p:nvSpPr>
+        <p:spPr>
+          <a:xfrm>
+            <a:off x="496" y="5535386"/>
+            <a:ext cx="5273634" cy="2024742"/>
+          </a:xfrm>
+          <a:prstGeom prst="rect">
+            <a:avLst/>
+          </a:prstGeom>
+          <a:solidFill>
+            <a:schemeClr val="accent1">
+              <a:alpha val="18000"/>
+            </a:schemeClr>
+          </a:solidFill>
+        </p:spPr>
+        <p:style>
+          <a:lnRef idx="2">
+            <a:schemeClr val="accent1">
+              <a:shade val="50000"/>
+            </a:schemeClr>
+          </a:lnRef>
+          <a:fillRef idx="1">
+            <a:schemeClr val="accent1"/>
+          </a:fillRef>
+          <a:effectRef idx="0">
+            <a:schemeClr val="accent1"/>
+          </a:effectRef>
+          <a:fontRef idx="minor">
+            <a:schemeClr val="lt1"/>
+          </a:fontRef>
+        </p:style>
+        <p:txBody>
+          <a:bodyPr rtlCol="0" anchor="ctr"/>
+          <a:lstStyle/>
+          <a:p>
+            <a:pPr algn="ctr"/>
+            <a:endParaRPr lang="it-IT" dirty="0"/>
+          </a:p>
+        </p:txBody>
+      </p:sp>
+      <p:sp>
+        <p:nvSpPr>
+          <p:cNvPr id="11" name="TextBox 10">
+            <a:extLst>
+              <a:ext uri="{FF2B5EF4-FFF2-40B4-BE49-F238E27FC236}">
+                <a16:creationId xmlns:a16="http://schemas.microsoft.com/office/drawing/2014/main" id="{E7504796-DF9F-CE44-90CF-029C0202877B}"/>
+              </a:ext>
+            </a:extLst>
+          </p:cNvPr>
+          <p:cNvSpPr txBox="1"/>
+          <p:nvPr/>
+        </p:nvSpPr>
+        <p:spPr>
+          <a:xfrm>
+            <a:off x="7321214" y="5444445"/>
+            <a:ext cx="810415" cy="369332"/>
+          </a:xfrm>
+          <a:prstGeom prst="rect">
+            <a:avLst/>
+          </a:prstGeom>
+          <a:noFill/>
+        </p:spPr>
+        <p:txBody>
+          <a:bodyPr wrap="none" rtlCol="0">
+            <a:spAutoFit/>
+          </a:bodyPr>
+          <a:lstStyle/>
+          <a:p>
+            <a:r>
+              <a:rPr lang="it-IT" b="1" dirty="0"/>
+              <a:t>WHAT</a:t>
+            </a:r>
+          </a:p>
+        </p:txBody>
+      </p:sp>
+      <p:sp>
+        <p:nvSpPr>
+          <p:cNvPr id="12" name="TextBox 11">
+            <a:extLst>
+              <a:ext uri="{FF2B5EF4-FFF2-40B4-BE49-F238E27FC236}">
+                <a16:creationId xmlns:a16="http://schemas.microsoft.com/office/drawing/2014/main" id="{14A4A650-34AB-5E4A-A3C1-6CB43735EB8C}"/>
+              </a:ext>
+            </a:extLst>
+          </p:cNvPr>
+          <p:cNvSpPr txBox="1"/>
+          <p:nvPr/>
+        </p:nvSpPr>
+        <p:spPr>
+          <a:xfrm>
+            <a:off x="5372100" y="4049486"/>
+            <a:ext cx="810415" cy="369332"/>
+          </a:xfrm>
+          <a:prstGeom prst="rect">
+            <a:avLst/>
+          </a:prstGeom>
+          <a:noFill/>
+        </p:spPr>
+        <p:txBody>
+          <a:bodyPr wrap="none" rtlCol="0">
+            <a:spAutoFit/>
+          </a:bodyPr>
+          <a:lstStyle/>
+          <a:p>
+            <a:r>
+              <a:rPr lang="it-IT" b="1" dirty="0"/>
+              <a:t>WHAT</a:t>
+            </a:r>
+          </a:p>
+        </p:txBody>
+      </p:sp>
+      <p:sp>
+        <p:nvSpPr>
+          <p:cNvPr id="13" name="TextBox 12">
+            <a:extLst>
+              <a:ext uri="{FF2B5EF4-FFF2-40B4-BE49-F238E27FC236}">
+                <a16:creationId xmlns:a16="http://schemas.microsoft.com/office/drawing/2014/main" id="{A6B0299F-C8B0-0445-9FD0-9DF3F903C636}"/>
+              </a:ext>
+            </a:extLst>
+          </p:cNvPr>
+          <p:cNvSpPr txBox="1"/>
+          <p:nvPr/>
+        </p:nvSpPr>
+        <p:spPr>
+          <a:xfrm>
+            <a:off x="-10314" y="5526087"/>
+            <a:ext cx="810415" cy="369332"/>
+          </a:xfrm>
+          <a:prstGeom prst="rect">
+            <a:avLst/>
+          </a:prstGeom>
+          <a:noFill/>
+        </p:spPr>
+        <p:txBody>
+          <a:bodyPr wrap="none" rtlCol="0">
+            <a:spAutoFit/>
+          </a:bodyPr>
+          <a:lstStyle/>
+          <a:p>
+            <a:r>
+              <a:rPr lang="it-IT" b="1" dirty="0"/>
+              <a:t>WHAT</a:t>
+            </a:r>
+          </a:p>
+        </p:txBody>
+      </p:sp>
+      <p:sp>
+        <p:nvSpPr>
+          <p:cNvPr id="14" name="Rectangle 13">
+            <a:extLst>
+              <a:ext uri="{FF2B5EF4-FFF2-40B4-BE49-F238E27FC236}">
+                <a16:creationId xmlns:a16="http://schemas.microsoft.com/office/drawing/2014/main" id="{590644B6-B9F7-3E4B-A5A4-619E9D30AB98}"/>
+              </a:ext>
+            </a:extLst>
+          </p:cNvPr>
+          <p:cNvSpPr/>
+          <p:nvPr/>
+        </p:nvSpPr>
+        <p:spPr>
+          <a:xfrm>
+            <a:off x="5257800" y="2209997"/>
+            <a:ext cx="2841171" cy="1638211"/>
+          </a:xfrm>
+          <a:prstGeom prst="rect">
+            <a:avLst/>
+          </a:prstGeom>
+          <a:solidFill>
+            <a:schemeClr val="accent1">
+              <a:alpha val="18000"/>
+            </a:schemeClr>
+          </a:solidFill>
+        </p:spPr>
+        <p:style>
+          <a:lnRef idx="2">
+            <a:schemeClr val="accent1">
+              <a:shade val="50000"/>
+            </a:schemeClr>
+          </a:lnRef>
+          <a:fillRef idx="1">
+            <a:schemeClr val="accent1"/>
+          </a:fillRef>
+          <a:effectRef idx="0">
+            <a:schemeClr val="accent1"/>
+          </a:effectRef>
+          <a:fontRef idx="minor">
+            <a:schemeClr val="lt1"/>
+          </a:fontRef>
+        </p:style>
+        <p:txBody>
+          <a:bodyPr rtlCol="0" anchor="ctr"/>
+          <a:lstStyle/>
+          <a:p>
+            <a:pPr algn="ctr"/>
+            <a:endParaRPr lang="it-IT" dirty="0"/>
+          </a:p>
+        </p:txBody>
+      </p:sp>
+      <p:sp>
+        <p:nvSpPr>
+          <p:cNvPr id="15" name="TextBox 14">
+            <a:extLst>
+              <a:ext uri="{FF2B5EF4-FFF2-40B4-BE49-F238E27FC236}">
+                <a16:creationId xmlns:a16="http://schemas.microsoft.com/office/drawing/2014/main" id="{E805C165-9405-6C44-B7BA-99D2467B46C2}"/>
+              </a:ext>
+            </a:extLst>
+          </p:cNvPr>
+          <p:cNvSpPr txBox="1"/>
+          <p:nvPr/>
+        </p:nvSpPr>
+        <p:spPr>
+          <a:xfrm>
+            <a:off x="5323114" y="2351315"/>
+            <a:ext cx="707245" cy="369332"/>
+          </a:xfrm>
+          <a:prstGeom prst="rect">
+            <a:avLst/>
+          </a:prstGeom>
+          <a:noFill/>
+        </p:spPr>
+        <p:txBody>
+          <a:bodyPr wrap="none" rtlCol="0">
+            <a:spAutoFit/>
+          </a:bodyPr>
+          <a:lstStyle/>
+          <a:p>
+            <a:r>
+              <a:rPr lang="it-IT" b="1" dirty="0"/>
+              <a:t>HOW</a:t>
+            </a:r>
+          </a:p>
+        </p:txBody>
+      </p:sp>
+      <p:sp>
+        <p:nvSpPr>
+          <p:cNvPr id="16" name="Rectangle 15">
+            <a:extLst>
+              <a:ext uri="{FF2B5EF4-FFF2-40B4-BE49-F238E27FC236}">
+                <a16:creationId xmlns:a16="http://schemas.microsoft.com/office/drawing/2014/main" id="{18BBC53F-2D54-594C-AB82-FFFE3051B643}"/>
+              </a:ext>
+            </a:extLst>
+          </p:cNvPr>
+          <p:cNvSpPr/>
+          <p:nvPr/>
+        </p:nvSpPr>
+        <p:spPr>
+          <a:xfrm>
+            <a:off x="495" y="2193669"/>
+            <a:ext cx="5322620" cy="2557945"/>
+          </a:xfrm>
+          <a:prstGeom prst="rect">
+            <a:avLst/>
+          </a:prstGeom>
+          <a:solidFill>
+            <a:schemeClr val="accent1">
+              <a:alpha val="18000"/>
+            </a:schemeClr>
+          </a:solidFill>
+        </p:spPr>
+        <p:style>
+          <a:lnRef idx="2">
+            <a:schemeClr val="accent1">
+              <a:shade val="50000"/>
+            </a:schemeClr>
+          </a:lnRef>
+          <a:fillRef idx="1">
+            <a:schemeClr val="accent1"/>
+          </a:fillRef>
+          <a:effectRef idx="0">
+            <a:schemeClr val="accent1"/>
+          </a:effectRef>
+          <a:fontRef idx="minor">
+            <a:schemeClr val="lt1"/>
+          </a:fontRef>
+        </p:style>
+        <p:txBody>
+          <a:bodyPr rtlCol="0" anchor="ctr"/>
+          <a:lstStyle/>
+          <a:p>
+            <a:pPr algn="ctr"/>
+            <a:endParaRPr lang="it-IT" dirty="0"/>
+          </a:p>
+        </p:txBody>
+      </p:sp>
+      <p:sp>
+        <p:nvSpPr>
+          <p:cNvPr id="17" name="TextBox 16">
+            <a:extLst>
+              <a:ext uri="{FF2B5EF4-FFF2-40B4-BE49-F238E27FC236}">
+                <a16:creationId xmlns:a16="http://schemas.microsoft.com/office/drawing/2014/main" id="{EC228D96-A23E-7B43-A06B-8213DB5DA543}"/>
+              </a:ext>
+            </a:extLst>
+          </p:cNvPr>
+          <p:cNvSpPr txBox="1"/>
+          <p:nvPr/>
+        </p:nvSpPr>
+        <p:spPr>
+          <a:xfrm>
+            <a:off x="2051720" y="2199307"/>
+            <a:ext cx="1518223" cy="369332"/>
+          </a:xfrm>
+          <a:prstGeom prst="rect">
+            <a:avLst/>
+          </a:prstGeom>
+          <a:noFill/>
+        </p:spPr>
+        <p:txBody>
+          <a:bodyPr wrap="square" rtlCol="0">
+            <a:spAutoFit/>
+          </a:bodyPr>
+          <a:lstStyle/>
+          <a:p>
+            <a:r>
+              <a:rPr lang="it-IT" b="1" dirty="0"/>
+              <a:t>HOW</a:t>
+            </a:r>
+          </a:p>
+        </p:txBody>
+      </p:sp>
+    </p:spTree>
+    <p:extLst>
+      <p:ext uri="{BB962C8B-B14F-4D97-AF65-F5344CB8AC3E}">
+        <p14:creationId xmlns:p14="http://schemas.microsoft.com/office/powerpoint/2010/main" val="295809123"/>
+      </p:ext>
+    </p:extLst>
+  </p:cSld>
+  <p:clrMapOvr>
+    <a:masterClrMapping/>
+  </p:clrMapOvr>
+</p:sld>
+</file>
+
+<file path=ppt/slides/slide11.xml><?xml version="1.0" encoding="utf-8"?>
+<p:sld xmlns:a="http://schemas.openxmlformats.org/drawingml/2006/main" xmlns:r="http://schemas.openxmlformats.org/officeDocument/2006/relationships" xmlns:p="http://schemas.openxmlformats.org/presentationml/2006/main">
+  <p:cSld>
+    <p:spTree>
+      <p:nvGrpSpPr>
+        <p:cNvPr id="1" name=""/>
+        <p:cNvGrpSpPr/>
+        <p:nvPr/>
+      </p:nvGrpSpPr>
+      <p:grpSpPr>
+        <a:xfrm>
+          <a:off x="0" y="0"/>
+          <a:ext cx="0" cy="0"/>
+          <a:chOff x="0" y="0"/>
+          <a:chExt cx="0" cy="0"/>
+        </a:xfrm>
+      </p:grpSpPr>
+      <p:sp>
+        <p:nvSpPr>
+          <p:cNvPr id="3" name="Slide Number Placeholder 2">
+            <a:extLst>
+              <a:ext uri="{FF2B5EF4-FFF2-40B4-BE49-F238E27FC236}">
+                <a16:creationId xmlns:a16="http://schemas.microsoft.com/office/drawing/2014/main" id="{656C69FB-6286-2F4F-B0C5-8C08332C3F73}"/>
+              </a:ext>
+            </a:extLst>
+          </p:cNvPr>
+          <p:cNvSpPr>
+            <a:spLocks noGrp="1"/>
+          </p:cNvSpPr>
+          <p:nvPr>
+            <p:ph type="sldNum" sz="quarter" idx="12"/>
+          </p:nvPr>
+        </p:nvSpPr>
+        <p:spPr/>
+        <p:txBody>
+          <a:bodyPr/>
+          <a:lstStyle/>
+          <a:p>
+            <a:fld id="{1ECA7B76-5FFE-B84B-8D18-C32D522DFC7F}" type="slidenum">
+              <a:rPr lang="it-IT" smtClean="0"/>
+              <a:pPr/>
+              <a:t>11</a:t>
+            </a:fld>
+            <a:endParaRPr lang="it-IT" dirty="0"/>
+          </a:p>
+        </p:txBody>
+      </p:sp>
+      <p:pic>
+        <p:nvPicPr>
+          <p:cNvPr id="5" name="Picture 4">
+            <a:extLst>
+              <a:ext uri="{FF2B5EF4-FFF2-40B4-BE49-F238E27FC236}">
+                <a16:creationId xmlns:a16="http://schemas.microsoft.com/office/drawing/2014/main" id="{59F7373E-6A95-794A-9EEE-867305FF5232}"/>
+              </a:ext>
+            </a:extLst>
+          </p:cNvPr>
+          <p:cNvPicPr>
+            <a:picLocks noChangeAspect="1"/>
+          </p:cNvPicPr>
+          <p:nvPr/>
+        </p:nvPicPr>
+        <p:blipFill>
+          <a:blip r:embed="rId2"/>
+          <a:stretch>
+            <a:fillRect/>
+          </a:stretch>
+        </p:blipFill>
+        <p:spPr>
+          <a:xfrm>
+            <a:off x="495" y="2256598"/>
+            <a:ext cx="10691813" cy="5212545"/>
+          </a:xfrm>
+          <a:prstGeom prst="rect">
+            <a:avLst/>
+          </a:prstGeom>
+        </p:spPr>
+      </p:pic>
+      <p:sp>
+        <p:nvSpPr>
+          <p:cNvPr id="7" name="Text Placeholder 3">
+            <a:extLst>
+              <a:ext uri="{FF2B5EF4-FFF2-40B4-BE49-F238E27FC236}">
+                <a16:creationId xmlns:a16="http://schemas.microsoft.com/office/drawing/2014/main" id="{BAE97FD7-8D6F-8746-A787-8CF21C3D97A3}"/>
+              </a:ext>
+            </a:extLst>
+          </p:cNvPr>
+          <p:cNvSpPr txBox="1">
+            <a:spLocks/>
+          </p:cNvSpPr>
+          <p:nvPr/>
+        </p:nvSpPr>
+        <p:spPr>
+          <a:xfrm>
+            <a:off x="887413" y="568325"/>
+            <a:ext cx="4557712" cy="1071563"/>
+          </a:xfrm>
+          <a:prstGeom prst="rect">
+            <a:avLst/>
+          </a:prstGeom>
+        </p:spPr>
+        <p:txBody>
+          <a:bodyPr vert="horz" lIns="91440" tIns="45720" rIns="91440" bIns="45720" rtlCol="0">
+            <a:normAutofit fontScale="77500" lnSpcReduction="20000"/>
+          </a:bodyPr>
+          <a:lstStyle>
+            <a:lvl1pPr marL="0" indent="0" algn="l" defTabSz="1007943" rtl="0" eaLnBrk="1" latinLnBrk="0" hangingPunct="1">
+              <a:lnSpc>
+                <a:spcPct val="100000"/>
+              </a:lnSpc>
+              <a:spcBef>
+                <a:spcPts val="1702"/>
+              </a:spcBef>
+              <a:buFontTx/>
+              <a:buNone/>
+              <a:defRPr sz="4800" b="1" i="0" kern="1200">
+                <a:solidFill>
+                  <a:schemeClr val="bg1"/>
+                </a:solidFill>
+                <a:latin typeface="Pangram ExtraBold" pitchFamily="2" charset="77"/>
+                <a:ea typeface="+mn-ea"/>
+                <a:cs typeface="+mn-cs"/>
+              </a:defRPr>
+            </a:lvl1pPr>
+            <a:lvl2pPr marL="503971" indent="0" algn="l" defTabSz="1007943" rtl="0" eaLnBrk="1" latinLnBrk="0" hangingPunct="1">
+              <a:lnSpc>
+                <a:spcPct val="90000"/>
+              </a:lnSpc>
+              <a:spcBef>
+                <a:spcPts val="551"/>
+              </a:spcBef>
+              <a:buFontTx/>
+              <a:buNone/>
+              <a:defRPr sz="2646" kern="1200">
+                <a:solidFill>
+                  <a:schemeClr val="tx1"/>
+                </a:solidFill>
+                <a:latin typeface="Pangram" pitchFamily="2" charset="77"/>
+                <a:ea typeface="+mn-ea"/>
+                <a:cs typeface="+mn-cs"/>
+              </a:defRPr>
+            </a:lvl2pPr>
+            <a:lvl3pPr marL="1007943" indent="0" algn="l" defTabSz="1007943" rtl="0" eaLnBrk="1" latinLnBrk="0" hangingPunct="1">
+              <a:lnSpc>
+                <a:spcPct val="90000"/>
+              </a:lnSpc>
+              <a:spcBef>
+                <a:spcPts val="551"/>
+              </a:spcBef>
+              <a:buFontTx/>
+              <a:buNone/>
+              <a:defRPr sz="2205" kern="1200">
+                <a:solidFill>
+                  <a:schemeClr val="tx1"/>
+                </a:solidFill>
+                <a:latin typeface="Pangram" pitchFamily="2" charset="77"/>
+                <a:ea typeface="+mn-ea"/>
+                <a:cs typeface="+mn-cs"/>
+              </a:defRPr>
+            </a:lvl3pPr>
+            <a:lvl4pPr marL="1511914" indent="0" algn="l" defTabSz="1007943" rtl="0" eaLnBrk="1" latinLnBrk="0" hangingPunct="1">
+              <a:lnSpc>
+                <a:spcPct val="90000"/>
+              </a:lnSpc>
+              <a:spcBef>
+                <a:spcPts val="551"/>
+              </a:spcBef>
+              <a:buFontTx/>
+              <a:buNone/>
+              <a:defRPr sz="1984" kern="1200">
+                <a:solidFill>
+                  <a:schemeClr val="tx1"/>
+                </a:solidFill>
+                <a:latin typeface="Pangram" pitchFamily="2" charset="77"/>
+                <a:ea typeface="+mn-ea"/>
+                <a:cs typeface="+mn-cs"/>
+              </a:defRPr>
+            </a:lvl4pPr>
+            <a:lvl5pPr marL="2015886" indent="0" algn="l" defTabSz="1007943" rtl="0" eaLnBrk="1" latinLnBrk="0" hangingPunct="1">
+              <a:lnSpc>
+                <a:spcPct val="90000"/>
+              </a:lnSpc>
+              <a:spcBef>
+                <a:spcPts val="551"/>
+              </a:spcBef>
+              <a:buFontTx/>
+              <a:buNone/>
+              <a:defRPr sz="1984" kern="1200">
+                <a:solidFill>
+                  <a:schemeClr val="tx1"/>
+                </a:solidFill>
+                <a:latin typeface="Pangram" pitchFamily="2" charset="77"/>
+                <a:ea typeface="+mn-ea"/>
+                <a:cs typeface="+mn-cs"/>
+              </a:defRPr>
+            </a:lvl5pPr>
+            <a:lvl6pPr marL="2771844" indent="-251986" algn="l" defTabSz="1007943" rtl="0" eaLnBrk="1" latinLnBrk="0" hangingPunct="1">
+              <a:lnSpc>
+                <a:spcPct val="90000"/>
+              </a:lnSpc>
+              <a:spcBef>
+                <a:spcPts val="551"/>
+              </a:spcBef>
+              <a:buFont typeface="Arial" panose="020B0604020202020204" pitchFamily="34" charset="0"/>
+              <a:buChar char="•"/>
+              <a:defRPr sz="1984" kern="1200">
+                <a:solidFill>
+                  <a:schemeClr val="tx1"/>
+                </a:solidFill>
+                <a:latin typeface="+mn-lt"/>
+                <a:ea typeface="+mn-ea"/>
+                <a:cs typeface="+mn-cs"/>
+              </a:defRPr>
+            </a:lvl6pPr>
+            <a:lvl7pPr marL="3275815" indent="-251986" algn="l" defTabSz="1007943" rtl="0" eaLnBrk="1" latinLnBrk="0" hangingPunct="1">
+              <a:lnSpc>
+                <a:spcPct val="90000"/>
+              </a:lnSpc>
+              <a:spcBef>
+                <a:spcPts val="551"/>
+              </a:spcBef>
+              <a:buFont typeface="Arial" panose="020B0604020202020204" pitchFamily="34" charset="0"/>
+              <a:buChar char="•"/>
+              <a:defRPr sz="1984" kern="1200">
+                <a:solidFill>
+                  <a:schemeClr val="tx1"/>
+                </a:solidFill>
+                <a:latin typeface="+mn-lt"/>
+                <a:ea typeface="+mn-ea"/>
+                <a:cs typeface="+mn-cs"/>
+              </a:defRPr>
+            </a:lvl7pPr>
+            <a:lvl8pPr marL="3779787" indent="-251986" algn="l" defTabSz="1007943" rtl="0" eaLnBrk="1" latinLnBrk="0" hangingPunct="1">
+              <a:lnSpc>
+                <a:spcPct val="90000"/>
+              </a:lnSpc>
+              <a:spcBef>
+                <a:spcPts val="551"/>
+              </a:spcBef>
+              <a:buFont typeface="Arial" panose="020B0604020202020204" pitchFamily="34" charset="0"/>
+              <a:buChar char="•"/>
+              <a:defRPr sz="1984" kern="1200">
+                <a:solidFill>
+                  <a:schemeClr val="tx1"/>
+                </a:solidFill>
+                <a:latin typeface="+mn-lt"/>
+                <a:ea typeface="+mn-ea"/>
+                <a:cs typeface="+mn-cs"/>
+              </a:defRPr>
+            </a:lvl8pPr>
+            <a:lvl9pPr marL="4283758" indent="-251986" algn="l" defTabSz="1007943" rtl="0" eaLnBrk="1" latinLnBrk="0" hangingPunct="1">
+              <a:lnSpc>
+                <a:spcPct val="90000"/>
+              </a:lnSpc>
+              <a:spcBef>
+                <a:spcPts val="551"/>
+              </a:spcBef>
+              <a:buFont typeface="Arial" panose="020B0604020202020204" pitchFamily="34" charset="0"/>
+              <a:buChar char="•"/>
+              <a:defRPr sz="1984" kern="1200">
+                <a:solidFill>
+                  <a:schemeClr val="tx1"/>
+                </a:solidFill>
+                <a:latin typeface="+mn-lt"/>
+                <a:ea typeface="+mn-ea"/>
+                <a:cs typeface="+mn-cs"/>
+              </a:defRPr>
+            </a:lvl9pPr>
+          </a:lstStyle>
+          <a:p>
+            <a:r>
+              <a:rPr lang="it-IT"/>
+              <a:t>Creating a Dataset Matching the Results</a:t>
+            </a:r>
+            <a:endParaRPr lang="it-IT" dirty="0"/>
+          </a:p>
+        </p:txBody>
+      </p:sp>
+      <p:sp>
+        <p:nvSpPr>
+          <p:cNvPr id="8" name="Rectangle 7">
+            <a:extLst>
+              <a:ext uri="{FF2B5EF4-FFF2-40B4-BE49-F238E27FC236}">
+                <a16:creationId xmlns:a16="http://schemas.microsoft.com/office/drawing/2014/main" id="{D714184B-B393-7444-8799-C9EECEA69C4C}"/>
+              </a:ext>
+            </a:extLst>
+          </p:cNvPr>
+          <p:cNvSpPr/>
+          <p:nvPr/>
+        </p:nvSpPr>
+        <p:spPr>
+          <a:xfrm>
+            <a:off x="5306786" y="3908169"/>
+            <a:ext cx="2841171" cy="1447602"/>
+          </a:xfrm>
+          <a:prstGeom prst="rect">
+            <a:avLst/>
+          </a:prstGeom>
+          <a:solidFill>
+            <a:schemeClr val="accent1">
+              <a:alpha val="18000"/>
+            </a:schemeClr>
+          </a:solidFill>
+        </p:spPr>
+        <p:style>
+          <a:lnRef idx="2">
+            <a:schemeClr val="accent1">
+              <a:shade val="50000"/>
+            </a:schemeClr>
+          </a:lnRef>
+          <a:fillRef idx="1">
+            <a:schemeClr val="accent1"/>
+          </a:fillRef>
+          <a:effectRef idx="0">
+            <a:schemeClr val="accent1"/>
+          </a:effectRef>
+          <a:fontRef idx="minor">
+            <a:schemeClr val="lt1"/>
+          </a:fontRef>
+        </p:style>
+        <p:txBody>
+          <a:bodyPr rtlCol="0" anchor="ctr"/>
+          <a:lstStyle/>
+          <a:p>
+            <a:pPr algn="ctr"/>
+            <a:endParaRPr lang="it-IT" dirty="0"/>
+          </a:p>
+        </p:txBody>
+      </p:sp>
+      <p:sp>
+        <p:nvSpPr>
+          <p:cNvPr id="9" name="Rectangle 8">
+            <a:extLst>
+              <a:ext uri="{FF2B5EF4-FFF2-40B4-BE49-F238E27FC236}">
+                <a16:creationId xmlns:a16="http://schemas.microsoft.com/office/drawing/2014/main" id="{8833A7FB-FDDF-5044-9CF8-08DB1DB6DBF6}"/>
+              </a:ext>
+            </a:extLst>
+          </p:cNvPr>
+          <p:cNvSpPr/>
+          <p:nvPr/>
+        </p:nvSpPr>
+        <p:spPr>
+          <a:xfrm>
+            <a:off x="5290458" y="5355771"/>
+            <a:ext cx="2841171" cy="2204357"/>
+          </a:xfrm>
+          <a:prstGeom prst="rect">
+            <a:avLst/>
+          </a:prstGeom>
+          <a:solidFill>
+            <a:schemeClr val="accent1">
+              <a:alpha val="18000"/>
+            </a:schemeClr>
+          </a:solidFill>
+        </p:spPr>
+        <p:style>
+          <a:lnRef idx="2">
+            <a:schemeClr val="accent1">
+              <a:shade val="50000"/>
+            </a:schemeClr>
+          </a:lnRef>
+          <a:fillRef idx="1">
+            <a:schemeClr val="accent1"/>
+          </a:fillRef>
+          <a:effectRef idx="0">
+            <a:schemeClr val="accent1"/>
+          </a:effectRef>
+          <a:fontRef idx="minor">
+            <a:schemeClr val="lt1"/>
+          </a:fontRef>
+        </p:style>
+        <p:txBody>
+          <a:bodyPr rtlCol="0" anchor="ctr"/>
+          <a:lstStyle/>
+          <a:p>
+            <a:pPr algn="ctr"/>
+            <a:endParaRPr lang="it-IT" dirty="0"/>
+          </a:p>
+        </p:txBody>
+      </p:sp>
+      <p:sp>
+        <p:nvSpPr>
+          <p:cNvPr id="10" name="Rectangle 9">
+            <a:extLst>
+              <a:ext uri="{FF2B5EF4-FFF2-40B4-BE49-F238E27FC236}">
+                <a16:creationId xmlns:a16="http://schemas.microsoft.com/office/drawing/2014/main" id="{EE081BB1-FEFA-534F-AFDE-A0B2991E56BB}"/>
+              </a:ext>
+            </a:extLst>
+          </p:cNvPr>
+          <p:cNvSpPr/>
+          <p:nvPr/>
+        </p:nvSpPr>
+        <p:spPr>
+          <a:xfrm>
+            <a:off x="496" y="5535386"/>
+            <a:ext cx="5273634" cy="2024742"/>
+          </a:xfrm>
+          <a:prstGeom prst="rect">
+            <a:avLst/>
+          </a:prstGeom>
+          <a:solidFill>
+            <a:schemeClr val="accent1">
+              <a:alpha val="18000"/>
+            </a:schemeClr>
+          </a:solidFill>
+        </p:spPr>
+        <p:style>
+          <a:lnRef idx="2">
+            <a:schemeClr val="accent1">
+              <a:shade val="50000"/>
+            </a:schemeClr>
+          </a:lnRef>
+          <a:fillRef idx="1">
+            <a:schemeClr val="accent1"/>
+          </a:fillRef>
+          <a:effectRef idx="0">
+            <a:schemeClr val="accent1"/>
+          </a:effectRef>
+          <a:fontRef idx="minor">
+            <a:schemeClr val="lt1"/>
+          </a:fontRef>
+        </p:style>
+        <p:txBody>
+          <a:bodyPr rtlCol="0" anchor="ctr"/>
+          <a:lstStyle/>
+          <a:p>
+            <a:pPr algn="ctr"/>
+            <a:endParaRPr lang="it-IT" dirty="0"/>
+          </a:p>
+        </p:txBody>
+      </p:sp>
+      <p:sp>
+        <p:nvSpPr>
+          <p:cNvPr id="11" name="TextBox 10">
+            <a:extLst>
+              <a:ext uri="{FF2B5EF4-FFF2-40B4-BE49-F238E27FC236}">
+                <a16:creationId xmlns:a16="http://schemas.microsoft.com/office/drawing/2014/main" id="{E7504796-DF9F-CE44-90CF-029C0202877B}"/>
+              </a:ext>
+            </a:extLst>
+          </p:cNvPr>
+          <p:cNvSpPr txBox="1"/>
+          <p:nvPr/>
+        </p:nvSpPr>
+        <p:spPr>
+          <a:xfrm>
+            <a:off x="7321214" y="5444445"/>
+            <a:ext cx="810415" cy="369332"/>
+          </a:xfrm>
+          <a:prstGeom prst="rect">
+            <a:avLst/>
+          </a:prstGeom>
+          <a:noFill/>
+        </p:spPr>
+        <p:txBody>
+          <a:bodyPr wrap="none" rtlCol="0">
+            <a:spAutoFit/>
+          </a:bodyPr>
+          <a:lstStyle/>
+          <a:p>
+            <a:r>
+              <a:rPr lang="it-IT" b="1" dirty="0"/>
+              <a:t>WHAT</a:t>
+            </a:r>
+          </a:p>
+        </p:txBody>
+      </p:sp>
+      <p:sp>
+        <p:nvSpPr>
+          <p:cNvPr id="12" name="TextBox 11">
+            <a:extLst>
+              <a:ext uri="{FF2B5EF4-FFF2-40B4-BE49-F238E27FC236}">
+                <a16:creationId xmlns:a16="http://schemas.microsoft.com/office/drawing/2014/main" id="{14A4A650-34AB-5E4A-A3C1-6CB43735EB8C}"/>
+              </a:ext>
+            </a:extLst>
+          </p:cNvPr>
+          <p:cNvSpPr txBox="1"/>
+          <p:nvPr/>
+        </p:nvSpPr>
+        <p:spPr>
+          <a:xfrm>
+            <a:off x="5372100" y="4049486"/>
+            <a:ext cx="810415" cy="369332"/>
+          </a:xfrm>
+          <a:prstGeom prst="rect">
+            <a:avLst/>
+          </a:prstGeom>
+          <a:noFill/>
+        </p:spPr>
+        <p:txBody>
+          <a:bodyPr wrap="none" rtlCol="0">
+            <a:spAutoFit/>
+          </a:bodyPr>
+          <a:lstStyle/>
+          <a:p>
+            <a:r>
+              <a:rPr lang="it-IT" b="1" dirty="0"/>
+              <a:t>WHAT</a:t>
+            </a:r>
+          </a:p>
+        </p:txBody>
+      </p:sp>
+      <p:sp>
+        <p:nvSpPr>
+          <p:cNvPr id="13" name="TextBox 12">
+            <a:extLst>
+              <a:ext uri="{FF2B5EF4-FFF2-40B4-BE49-F238E27FC236}">
+                <a16:creationId xmlns:a16="http://schemas.microsoft.com/office/drawing/2014/main" id="{A6B0299F-C8B0-0445-9FD0-9DF3F903C636}"/>
+              </a:ext>
+            </a:extLst>
+          </p:cNvPr>
+          <p:cNvSpPr txBox="1"/>
+          <p:nvPr/>
+        </p:nvSpPr>
+        <p:spPr>
+          <a:xfrm>
+            <a:off x="-10314" y="5526087"/>
+            <a:ext cx="810415" cy="369332"/>
+          </a:xfrm>
+          <a:prstGeom prst="rect">
+            <a:avLst/>
+          </a:prstGeom>
+          <a:noFill/>
+        </p:spPr>
+        <p:txBody>
+          <a:bodyPr wrap="none" rtlCol="0">
+            <a:spAutoFit/>
+          </a:bodyPr>
+          <a:lstStyle/>
+          <a:p>
+            <a:r>
+              <a:rPr lang="it-IT" b="1" dirty="0"/>
+              <a:t>WHAT</a:t>
+            </a:r>
+          </a:p>
+        </p:txBody>
+      </p:sp>
+    </p:spTree>
+    <p:extLst>
+      <p:ext uri="{BB962C8B-B14F-4D97-AF65-F5344CB8AC3E}">
+        <p14:creationId xmlns:p14="http://schemas.microsoft.com/office/powerpoint/2010/main" val="4158620233"/>
+      </p:ext>
+    </p:extLst>
+  </p:cSld>
+  <p:clrMapOvr>
+    <a:masterClrMapping/>
+  </p:clrMapOvr>
+</p:sld>
+</file>
+
+<file path=ppt/slides/slide12.xml><?xml version="1.0" encoding="utf-8"?>
+<p:sld xmlns:a="http://schemas.openxmlformats.org/drawingml/2006/main" xmlns:r="http://schemas.openxmlformats.org/officeDocument/2006/relationships" xmlns:p="http://schemas.openxmlformats.org/presentationml/2006/main">
+  <p:cSld>
+    <p:spTree>
+      <p:nvGrpSpPr>
+        <p:cNvPr id="1" name=""/>
+        <p:cNvGrpSpPr/>
+        <p:nvPr/>
+      </p:nvGrpSpPr>
+      <p:grpSpPr>
+        <a:xfrm>
+          <a:off x="0" y="0"/>
+          <a:ext cx="0" cy="0"/>
+          <a:chOff x="0" y="0"/>
+          <a:chExt cx="0" cy="0"/>
+        </a:xfrm>
+      </p:grpSpPr>
+      <p:sp>
+        <p:nvSpPr>
+          <p:cNvPr id="3" name="Slide Number Placeholder 2">
+            <a:extLst>
+              <a:ext uri="{FF2B5EF4-FFF2-40B4-BE49-F238E27FC236}">
+                <a16:creationId xmlns:a16="http://schemas.microsoft.com/office/drawing/2014/main" id="{4B8693FE-5A05-C940-BC1B-5084ABE94D34}"/>
+              </a:ext>
+            </a:extLst>
+          </p:cNvPr>
+          <p:cNvSpPr>
+            <a:spLocks noGrp="1"/>
+          </p:cNvSpPr>
+          <p:nvPr>
+            <p:ph type="sldNum" sz="quarter" idx="12"/>
+          </p:nvPr>
+        </p:nvSpPr>
+        <p:spPr/>
+        <p:txBody>
+          <a:bodyPr/>
+          <a:lstStyle/>
+          <a:p>
+            <a:fld id="{1ECA7B76-5FFE-B84B-8D18-C32D522DFC7F}" type="slidenum">
+              <a:rPr lang="it-IT" smtClean="0"/>
+              <a:pPr/>
+              <a:t>12</a:t>
+            </a:fld>
+            <a:endParaRPr lang="it-IT" dirty="0"/>
+          </a:p>
+        </p:txBody>
+      </p:sp>
+      <p:sp>
+        <p:nvSpPr>
+          <p:cNvPr id="4" name="Text Placeholder 3">
+            <a:extLst>
+              <a:ext uri="{FF2B5EF4-FFF2-40B4-BE49-F238E27FC236}">
+                <a16:creationId xmlns:a16="http://schemas.microsoft.com/office/drawing/2014/main" id="{0B123B96-5642-8C48-8DE2-19151DBE1C41}"/>
+              </a:ext>
+            </a:extLst>
+          </p:cNvPr>
+          <p:cNvSpPr>
+            <a:spLocks noGrp="1"/>
+          </p:cNvSpPr>
+          <p:nvPr>
+            <p:ph type="body" sz="quarter" idx="13"/>
+          </p:nvPr>
+        </p:nvSpPr>
+        <p:spPr/>
+        <p:txBody>
+          <a:bodyPr>
+            <a:normAutofit fontScale="77500" lnSpcReduction="20000"/>
+          </a:bodyPr>
+          <a:lstStyle/>
+          <a:p>
+            <a:r>
+              <a:rPr lang="it-IT" dirty="0" err="1"/>
+              <a:t>Creating</a:t>
+            </a:r>
+            <a:r>
+              <a:rPr lang="it-IT" dirty="0"/>
+              <a:t> a </a:t>
+            </a:r>
+            <a:r>
+              <a:rPr lang="it-IT" dirty="0" err="1"/>
+              <a:t>Dataset</a:t>
+            </a:r>
+            <a:r>
+              <a:rPr lang="it-IT" dirty="0"/>
+              <a:t> </a:t>
+            </a:r>
+            <a:r>
+              <a:rPr lang="it-IT" dirty="0" err="1"/>
+              <a:t>Matching</a:t>
+            </a:r>
+            <a:r>
+              <a:rPr lang="it-IT" dirty="0"/>
+              <a:t> the </a:t>
+            </a:r>
+            <a:r>
+              <a:rPr lang="it-IT" dirty="0" err="1"/>
+              <a:t>Results</a:t>
+            </a:r>
+            <a:endParaRPr lang="it-IT" dirty="0"/>
+          </a:p>
+        </p:txBody>
+      </p:sp>
+      <p:pic>
+        <p:nvPicPr>
+          <p:cNvPr id="6" name="Picture 5">
+            <a:extLst>
+              <a:ext uri="{FF2B5EF4-FFF2-40B4-BE49-F238E27FC236}">
+                <a16:creationId xmlns:a16="http://schemas.microsoft.com/office/drawing/2014/main" id="{550D6D00-BDF3-D742-A689-0E0876425E1B}"/>
+              </a:ext>
+            </a:extLst>
+          </p:cNvPr>
+          <p:cNvPicPr>
+            <a:picLocks noChangeAspect="1"/>
+          </p:cNvPicPr>
+          <p:nvPr/>
+        </p:nvPicPr>
+        <p:blipFill>
+          <a:blip r:embed="rId2"/>
+          <a:stretch>
+            <a:fillRect/>
+          </a:stretch>
+        </p:blipFill>
+        <p:spPr>
+          <a:xfrm>
+            <a:off x="0" y="2699856"/>
+            <a:ext cx="10691813" cy="2159962"/>
+          </a:xfrm>
+          <a:prstGeom prst="rect">
+            <a:avLst/>
+          </a:prstGeom>
+        </p:spPr>
+      </p:pic>
+    </p:spTree>
+    <p:extLst>
+      <p:ext uri="{BB962C8B-B14F-4D97-AF65-F5344CB8AC3E}">
+        <p14:creationId xmlns:p14="http://schemas.microsoft.com/office/powerpoint/2010/main" val="2113788128"/>
+      </p:ext>
+    </p:extLst>
+  </p:cSld>
+  <p:clrMapOvr>
+    <a:masterClrMapping/>
+  </p:clrMapOvr>
+</p:sld>
+</file>
+
+<file path=ppt/slides/slide13.xml><?xml version="1.0" encoding="utf-8"?>
+<p:sld xmlns:a="http://schemas.openxmlformats.org/drawingml/2006/main" xmlns:r="http://schemas.openxmlformats.org/officeDocument/2006/relationships" xmlns:p="http://schemas.openxmlformats.org/presentationml/2006/main">
+  <p:cSld>
+    <p:spTree>
+      <p:nvGrpSpPr>
+        <p:cNvPr id="1" name=""/>
+        <p:cNvGrpSpPr/>
+        <p:nvPr/>
+      </p:nvGrpSpPr>
+      <p:grpSpPr>
+        <a:xfrm>
+          <a:off x="0" y="0"/>
+          <a:ext cx="0" cy="0"/>
+          <a:chOff x="0" y="0"/>
+          <a:chExt cx="0" cy="0"/>
+        </a:xfrm>
+      </p:grpSpPr>
+      <p:sp>
+        <p:nvSpPr>
+          <p:cNvPr id="3" name="Slide Number Placeholder 2">
+            <a:extLst>
+              <a:ext uri="{FF2B5EF4-FFF2-40B4-BE49-F238E27FC236}">
+                <a16:creationId xmlns:a16="http://schemas.microsoft.com/office/drawing/2014/main" id="{4B8693FE-5A05-C940-BC1B-5084ABE94D34}"/>
+              </a:ext>
+            </a:extLst>
+          </p:cNvPr>
+          <p:cNvSpPr>
+            <a:spLocks noGrp="1"/>
+          </p:cNvSpPr>
+          <p:nvPr>
+            <p:ph type="sldNum" sz="quarter" idx="12"/>
+          </p:nvPr>
+        </p:nvSpPr>
+        <p:spPr/>
+        <p:txBody>
+          <a:bodyPr/>
+          <a:lstStyle/>
+          <a:p>
+            <a:fld id="{1ECA7B76-5FFE-B84B-8D18-C32D522DFC7F}" type="slidenum">
+              <a:rPr lang="it-IT" smtClean="0"/>
+              <a:pPr/>
+              <a:t>13</a:t>
+            </a:fld>
+            <a:endParaRPr lang="it-IT" dirty="0"/>
+          </a:p>
+        </p:txBody>
+      </p:sp>
+      <p:sp>
+        <p:nvSpPr>
+          <p:cNvPr id="4" name="Text Placeholder 3">
+            <a:extLst>
+              <a:ext uri="{FF2B5EF4-FFF2-40B4-BE49-F238E27FC236}">
+                <a16:creationId xmlns:a16="http://schemas.microsoft.com/office/drawing/2014/main" id="{0B123B96-5642-8C48-8DE2-19151DBE1C41}"/>
+              </a:ext>
+            </a:extLst>
+          </p:cNvPr>
+          <p:cNvSpPr>
+            <a:spLocks noGrp="1"/>
+          </p:cNvSpPr>
+          <p:nvPr>
+            <p:ph type="body" sz="quarter" idx="13"/>
+          </p:nvPr>
+        </p:nvSpPr>
+        <p:spPr/>
+        <p:txBody>
+          <a:bodyPr>
+            <a:normAutofit fontScale="77500" lnSpcReduction="20000"/>
+          </a:bodyPr>
+          <a:lstStyle/>
+          <a:p>
+            <a:r>
+              <a:rPr lang="it-IT" dirty="0" err="1"/>
+              <a:t>Creating</a:t>
+            </a:r>
+            <a:r>
+              <a:rPr lang="it-IT" dirty="0"/>
+              <a:t> a </a:t>
+            </a:r>
+            <a:r>
+              <a:rPr lang="it-IT" dirty="0" err="1"/>
+              <a:t>Dataset</a:t>
+            </a:r>
+            <a:r>
+              <a:rPr lang="it-IT" dirty="0"/>
+              <a:t> </a:t>
+            </a:r>
+            <a:r>
+              <a:rPr lang="it-IT" dirty="0" err="1"/>
+              <a:t>Matching</a:t>
+            </a:r>
+            <a:r>
+              <a:rPr lang="it-IT" dirty="0"/>
+              <a:t> the </a:t>
+            </a:r>
+            <a:r>
+              <a:rPr lang="it-IT" dirty="0" err="1"/>
+              <a:t>Results</a:t>
+            </a:r>
+            <a:endParaRPr lang="it-IT" dirty="0"/>
+          </a:p>
+        </p:txBody>
+      </p:sp>
+      <p:pic>
+        <p:nvPicPr>
+          <p:cNvPr id="6" name="Picture 5">
+            <a:extLst>
+              <a:ext uri="{FF2B5EF4-FFF2-40B4-BE49-F238E27FC236}">
+                <a16:creationId xmlns:a16="http://schemas.microsoft.com/office/drawing/2014/main" id="{550D6D00-BDF3-D742-A689-0E0876425E1B}"/>
+              </a:ext>
+            </a:extLst>
+          </p:cNvPr>
+          <p:cNvPicPr>
+            <a:picLocks noChangeAspect="1"/>
+          </p:cNvPicPr>
+          <p:nvPr/>
+        </p:nvPicPr>
+        <p:blipFill>
+          <a:blip r:embed="rId2"/>
+          <a:stretch>
+            <a:fillRect/>
+          </a:stretch>
+        </p:blipFill>
+        <p:spPr>
+          <a:xfrm>
+            <a:off x="0" y="2699856"/>
+            <a:ext cx="10691813" cy="2159962"/>
+          </a:xfrm>
+          <a:prstGeom prst="rect">
+            <a:avLst/>
+          </a:prstGeom>
+        </p:spPr>
+      </p:pic>
+      <p:sp>
+        <p:nvSpPr>
+          <p:cNvPr id="2" name="Rectangle 1">
+            <a:extLst>
+              <a:ext uri="{FF2B5EF4-FFF2-40B4-BE49-F238E27FC236}">
+                <a16:creationId xmlns:a16="http://schemas.microsoft.com/office/drawing/2014/main" id="{EB7B7C7D-85BF-4D4A-9E97-44016F192689}"/>
+              </a:ext>
+            </a:extLst>
+          </p:cNvPr>
+          <p:cNvSpPr/>
+          <p:nvPr/>
+        </p:nvSpPr>
+        <p:spPr>
+          <a:xfrm>
+            <a:off x="735013" y="2699856"/>
+            <a:ext cx="2487872" cy="2159962"/>
+          </a:xfrm>
+          <a:prstGeom prst="rect">
+            <a:avLst/>
+          </a:prstGeom>
+          <a:solidFill>
+            <a:schemeClr val="accent1">
+              <a:alpha val="18000"/>
+            </a:schemeClr>
+          </a:solidFill>
+        </p:spPr>
+        <p:style>
+          <a:lnRef idx="2">
+            <a:schemeClr val="accent1">
+              <a:shade val="50000"/>
+            </a:schemeClr>
+          </a:lnRef>
+          <a:fillRef idx="1">
+            <a:schemeClr val="accent1"/>
+          </a:fillRef>
+          <a:effectRef idx="0">
+            <a:schemeClr val="accent1"/>
+          </a:effectRef>
+          <a:fontRef idx="minor">
+            <a:schemeClr val="lt1"/>
+          </a:fontRef>
+        </p:style>
+        <p:txBody>
+          <a:bodyPr rtlCol="0" anchor="ctr"/>
+          <a:lstStyle/>
+          <a:p>
+            <a:pPr algn="ctr"/>
+            <a:endParaRPr lang="it-IT" dirty="0"/>
+          </a:p>
+        </p:txBody>
+      </p:sp>
+      <p:sp>
+        <p:nvSpPr>
+          <p:cNvPr id="5" name="TextBox 4">
+            <a:extLst>
+              <a:ext uri="{FF2B5EF4-FFF2-40B4-BE49-F238E27FC236}">
+                <a16:creationId xmlns:a16="http://schemas.microsoft.com/office/drawing/2014/main" id="{72CD8B6B-6A1B-9240-B82F-BA7B09642DCB}"/>
+              </a:ext>
+            </a:extLst>
+          </p:cNvPr>
+          <p:cNvSpPr txBox="1"/>
+          <p:nvPr/>
+        </p:nvSpPr>
+        <p:spPr>
+          <a:xfrm>
+            <a:off x="2053652" y="5156616"/>
+            <a:ext cx="4445119" cy="923330"/>
+          </a:xfrm>
+          <a:prstGeom prst="rect">
+            <a:avLst/>
+          </a:prstGeom>
+          <a:noFill/>
+        </p:spPr>
+        <p:txBody>
+          <a:bodyPr wrap="square" rtlCol="0">
+            <a:spAutoFit/>
+          </a:bodyPr>
+          <a:lstStyle/>
+          <a:p>
+            <a:r>
+              <a:rPr lang="it-IT" dirty="0"/>
+              <a:t>1. </a:t>
+            </a:r>
+            <a:r>
+              <a:rPr lang="it-IT" dirty="0" err="1"/>
+              <a:t>We</a:t>
+            </a:r>
+            <a:r>
+              <a:rPr lang="it-IT" dirty="0"/>
+              <a:t> are </a:t>
+            </a:r>
+            <a:r>
+              <a:rPr lang="it-IT" dirty="0" err="1"/>
+              <a:t>looking</a:t>
+            </a:r>
+            <a:r>
+              <a:rPr lang="it-IT" dirty="0"/>
+              <a:t> for </a:t>
+            </a:r>
+            <a:r>
+              <a:rPr lang="it-IT" dirty="0" err="1"/>
+              <a:t>comprehensive</a:t>
+            </a:r>
+            <a:r>
+              <a:rPr lang="it-IT" dirty="0"/>
+              <a:t> </a:t>
+            </a:r>
+            <a:r>
+              <a:rPr lang="it-IT" dirty="0" err="1"/>
+              <a:t>tools</a:t>
+            </a:r>
+            <a:r>
+              <a:rPr lang="it-IT" dirty="0"/>
+              <a:t> </a:t>
+            </a:r>
+            <a:r>
+              <a:rPr lang="it-IT" dirty="0" err="1"/>
+              <a:t>that</a:t>
+            </a:r>
+            <a:r>
+              <a:rPr lang="it-IT" dirty="0"/>
+              <a:t> </a:t>
+            </a:r>
+            <a:r>
+              <a:rPr lang="it-IT" dirty="0" err="1"/>
+              <a:t>detect</a:t>
+            </a:r>
+            <a:r>
+              <a:rPr lang="it-IT" dirty="0"/>
+              <a:t> </a:t>
+            </a:r>
+            <a:r>
+              <a:rPr lang="it-IT" dirty="0" err="1"/>
+              <a:t>known</a:t>
+            </a:r>
+            <a:r>
+              <a:rPr lang="it-IT" dirty="0"/>
+              <a:t> security </a:t>
+            </a:r>
+            <a:r>
+              <a:rPr lang="it-IT" dirty="0" err="1"/>
+              <a:t>flaws</a:t>
+            </a:r>
+            <a:r>
+              <a:rPr lang="it-IT" dirty="0"/>
+              <a:t> and </a:t>
+            </a:r>
+            <a:r>
+              <a:rPr lang="it-IT" dirty="0" err="1"/>
+              <a:t>vulnerabilities</a:t>
+            </a:r>
+            <a:r>
+              <a:rPr lang="it-IT" dirty="0"/>
+              <a:t>/</a:t>
+            </a:r>
+            <a:r>
+              <a:rPr lang="it-IT" dirty="0" err="1"/>
+              <a:t>malware</a:t>
+            </a:r>
+            <a:endParaRPr lang="it-IT" dirty="0"/>
+          </a:p>
+        </p:txBody>
+      </p:sp>
+      <p:cxnSp>
+        <p:nvCxnSpPr>
+          <p:cNvPr id="8" name="Straight Arrow Connector 7">
+            <a:extLst>
+              <a:ext uri="{FF2B5EF4-FFF2-40B4-BE49-F238E27FC236}">
+                <a16:creationId xmlns:a16="http://schemas.microsoft.com/office/drawing/2014/main" id="{9DE4F858-722E-E147-90B2-05B5D404CB36}"/>
+              </a:ext>
+            </a:extLst>
+          </p:cNvPr>
+          <p:cNvCxnSpPr/>
+          <p:nvPr/>
+        </p:nvCxnSpPr>
+        <p:spPr>
+          <a:xfrm flipH="1" flipV="1">
+            <a:off x="1518557" y="5012871"/>
+            <a:ext cx="326572" cy="734786"/>
+          </a:xfrm>
+          <a:prstGeom prst="straightConnector1">
+            <a:avLst/>
+          </a:prstGeom>
+          <a:ln>
+            <a:tailEnd type="triangle"/>
+          </a:ln>
+        </p:spPr>
+        <p:style>
+          <a:lnRef idx="1">
+            <a:schemeClr val="accent1"/>
+          </a:lnRef>
+          <a:fillRef idx="0">
+            <a:schemeClr val="accent1"/>
+          </a:fillRef>
+          <a:effectRef idx="0">
+            <a:schemeClr val="accent1"/>
+          </a:effectRef>
+          <a:fontRef idx="minor">
+            <a:schemeClr val="tx1"/>
+          </a:fontRef>
+        </p:style>
+      </p:cxnSp>
+    </p:spTree>
+    <p:extLst>
+      <p:ext uri="{BB962C8B-B14F-4D97-AF65-F5344CB8AC3E}">
+        <p14:creationId xmlns:p14="http://schemas.microsoft.com/office/powerpoint/2010/main" val="4087151024"/>
+      </p:ext>
+    </p:extLst>
+  </p:cSld>
+  <p:clrMapOvr>
+    <a:masterClrMapping/>
+  </p:clrMapOvr>
+</p:sld>
+</file>
+
+<file path=ppt/slides/slide14.xml><?xml version="1.0" encoding="utf-8"?>
+<p:sld xmlns:a="http://schemas.openxmlformats.org/drawingml/2006/main" xmlns:r="http://schemas.openxmlformats.org/officeDocument/2006/relationships" xmlns:p="http://schemas.openxmlformats.org/presentationml/2006/main">
+  <p:cSld>
+    <p:spTree>
+      <p:nvGrpSpPr>
+        <p:cNvPr id="1" name=""/>
+        <p:cNvGrpSpPr/>
+        <p:nvPr/>
+      </p:nvGrpSpPr>
+      <p:grpSpPr>
+        <a:xfrm>
+          <a:off x="0" y="0"/>
+          <a:ext cx="0" cy="0"/>
+          <a:chOff x="0" y="0"/>
+          <a:chExt cx="0" cy="0"/>
+        </a:xfrm>
+      </p:grpSpPr>
+      <p:sp>
+        <p:nvSpPr>
+          <p:cNvPr id="3" name="Slide Number Placeholder 2">
+            <a:extLst>
+              <a:ext uri="{FF2B5EF4-FFF2-40B4-BE49-F238E27FC236}">
+                <a16:creationId xmlns:a16="http://schemas.microsoft.com/office/drawing/2014/main" id="{4B8693FE-5A05-C940-BC1B-5084ABE94D34}"/>
+              </a:ext>
+            </a:extLst>
+          </p:cNvPr>
+          <p:cNvSpPr>
+            <a:spLocks noGrp="1"/>
+          </p:cNvSpPr>
+          <p:nvPr>
+            <p:ph type="sldNum" sz="quarter" idx="12"/>
+          </p:nvPr>
+        </p:nvSpPr>
+        <p:spPr/>
+        <p:txBody>
+          <a:bodyPr/>
+          <a:lstStyle/>
+          <a:p>
+            <a:fld id="{1ECA7B76-5FFE-B84B-8D18-C32D522DFC7F}" type="slidenum">
+              <a:rPr lang="it-IT" smtClean="0"/>
+              <a:pPr/>
+              <a:t>14</a:t>
+            </a:fld>
+            <a:endParaRPr lang="it-IT" dirty="0"/>
+          </a:p>
+        </p:txBody>
+      </p:sp>
+      <p:sp>
+        <p:nvSpPr>
+          <p:cNvPr id="4" name="Text Placeholder 3">
+            <a:extLst>
+              <a:ext uri="{FF2B5EF4-FFF2-40B4-BE49-F238E27FC236}">
+                <a16:creationId xmlns:a16="http://schemas.microsoft.com/office/drawing/2014/main" id="{0B123B96-5642-8C48-8DE2-19151DBE1C41}"/>
+              </a:ext>
+            </a:extLst>
+          </p:cNvPr>
+          <p:cNvSpPr>
+            <a:spLocks noGrp="1"/>
+          </p:cNvSpPr>
+          <p:nvPr>
+            <p:ph type="body" sz="quarter" idx="13"/>
+          </p:nvPr>
+        </p:nvSpPr>
+        <p:spPr/>
+        <p:txBody>
+          <a:bodyPr>
+            <a:normAutofit fontScale="62500" lnSpcReduction="20000"/>
+          </a:bodyPr>
+          <a:lstStyle/>
+          <a:p>
+            <a:r>
+              <a:rPr lang="it-IT" dirty="0"/>
+              <a:t>Security </a:t>
+            </a:r>
+            <a:r>
+              <a:rPr lang="it-IT" dirty="0" err="1"/>
+              <a:t>Flaws</a:t>
+            </a:r>
+            <a:r>
+              <a:rPr lang="it-IT" dirty="0"/>
+              <a:t> &amp; </a:t>
+            </a:r>
+            <a:r>
+              <a:rPr lang="it-IT" dirty="0" err="1"/>
+              <a:t>Vulnerability</a:t>
+            </a:r>
+            <a:r>
+              <a:rPr lang="it-IT" dirty="0"/>
+              <a:t> </a:t>
+            </a:r>
+            <a:r>
+              <a:rPr lang="it-IT" dirty="0" err="1"/>
+              <a:t>Detection</a:t>
+            </a:r>
+            <a:r>
+              <a:rPr lang="it-IT" dirty="0"/>
+              <a:t> SLR</a:t>
+            </a:r>
+          </a:p>
+        </p:txBody>
+      </p:sp>
+      <p:pic>
+        <p:nvPicPr>
+          <p:cNvPr id="8" name="Picture 7">
+            <a:extLst>
+              <a:ext uri="{FF2B5EF4-FFF2-40B4-BE49-F238E27FC236}">
+                <a16:creationId xmlns:a16="http://schemas.microsoft.com/office/drawing/2014/main" id="{679846E5-2EB0-C34A-8C33-23C37E936488}"/>
+              </a:ext>
+            </a:extLst>
+          </p:cNvPr>
+          <p:cNvPicPr>
+            <a:picLocks noChangeAspect="1"/>
+          </p:cNvPicPr>
+          <p:nvPr/>
+        </p:nvPicPr>
+        <p:blipFill>
+          <a:blip r:embed="rId2"/>
+          <a:stretch>
+            <a:fillRect/>
+          </a:stretch>
+        </p:blipFill>
+        <p:spPr>
+          <a:xfrm>
+            <a:off x="-1" y="2296660"/>
+            <a:ext cx="10691813" cy="4161484"/>
+          </a:xfrm>
+          <a:prstGeom prst="rect">
+            <a:avLst/>
+          </a:prstGeom>
+        </p:spPr>
+      </p:pic>
+    </p:spTree>
+    <p:extLst>
+      <p:ext uri="{BB962C8B-B14F-4D97-AF65-F5344CB8AC3E}">
+        <p14:creationId xmlns:p14="http://schemas.microsoft.com/office/powerpoint/2010/main" val="1419277923"/>
+      </p:ext>
+    </p:extLst>
+  </p:cSld>
+  <p:clrMapOvr>
+    <a:masterClrMapping/>
+  </p:clrMapOvr>
+</p:sld>
+</file>
+
+<file path=ppt/slides/slide15.xml><?xml version="1.0" encoding="utf-8"?>
+<p:sld xmlns:a="http://schemas.openxmlformats.org/drawingml/2006/main" xmlns:r="http://schemas.openxmlformats.org/officeDocument/2006/relationships" xmlns:p="http://schemas.openxmlformats.org/presentationml/2006/main">
+  <p:cSld>
+    <p:spTree>
+      <p:nvGrpSpPr>
+        <p:cNvPr id="1" name=""/>
+        <p:cNvGrpSpPr/>
+        <p:nvPr/>
+      </p:nvGrpSpPr>
+      <p:grpSpPr>
+        <a:xfrm>
+          <a:off x="0" y="0"/>
+          <a:ext cx="0" cy="0"/>
+          <a:chOff x="0" y="0"/>
+          <a:chExt cx="0" cy="0"/>
+        </a:xfrm>
+      </p:grpSpPr>
+      <p:sp>
+        <p:nvSpPr>
+          <p:cNvPr id="3" name="Slide Number Placeholder 2">
+            <a:extLst>
+              <a:ext uri="{FF2B5EF4-FFF2-40B4-BE49-F238E27FC236}">
+                <a16:creationId xmlns:a16="http://schemas.microsoft.com/office/drawing/2014/main" id="{4B8693FE-5A05-C940-BC1B-5084ABE94D34}"/>
+              </a:ext>
+            </a:extLst>
+          </p:cNvPr>
+          <p:cNvSpPr>
+            <a:spLocks noGrp="1"/>
+          </p:cNvSpPr>
+          <p:nvPr>
+            <p:ph type="sldNum" sz="quarter" idx="12"/>
+          </p:nvPr>
+        </p:nvSpPr>
+        <p:spPr/>
+        <p:txBody>
+          <a:bodyPr/>
+          <a:lstStyle/>
+          <a:p>
+            <a:fld id="{1ECA7B76-5FFE-B84B-8D18-C32D522DFC7F}" type="slidenum">
+              <a:rPr lang="it-IT" smtClean="0"/>
+              <a:pPr/>
+              <a:t>15</a:t>
+            </a:fld>
+            <a:endParaRPr lang="it-IT" dirty="0"/>
+          </a:p>
+        </p:txBody>
+      </p:sp>
+      <p:sp>
+        <p:nvSpPr>
+          <p:cNvPr id="4" name="Text Placeholder 3">
+            <a:extLst>
+              <a:ext uri="{FF2B5EF4-FFF2-40B4-BE49-F238E27FC236}">
+                <a16:creationId xmlns:a16="http://schemas.microsoft.com/office/drawing/2014/main" id="{0B123B96-5642-8C48-8DE2-19151DBE1C41}"/>
+              </a:ext>
+            </a:extLst>
+          </p:cNvPr>
+          <p:cNvSpPr>
+            <a:spLocks noGrp="1"/>
+          </p:cNvSpPr>
+          <p:nvPr>
+            <p:ph type="body" sz="quarter" idx="13"/>
+          </p:nvPr>
+        </p:nvSpPr>
+        <p:spPr/>
+        <p:txBody>
+          <a:bodyPr>
+            <a:normAutofit fontScale="77500" lnSpcReduction="20000"/>
+          </a:bodyPr>
+          <a:lstStyle/>
+          <a:p>
+            <a:r>
+              <a:rPr lang="it-IT" dirty="0" err="1"/>
+              <a:t>Creating</a:t>
+            </a:r>
+            <a:r>
+              <a:rPr lang="it-IT" dirty="0"/>
+              <a:t> a </a:t>
+            </a:r>
+            <a:r>
+              <a:rPr lang="it-IT" dirty="0" err="1"/>
+              <a:t>Dataset</a:t>
+            </a:r>
+            <a:r>
+              <a:rPr lang="it-IT" dirty="0"/>
+              <a:t> </a:t>
+            </a:r>
+            <a:r>
+              <a:rPr lang="it-IT" dirty="0" err="1"/>
+              <a:t>Matching</a:t>
+            </a:r>
+            <a:r>
+              <a:rPr lang="it-IT" dirty="0"/>
+              <a:t> the </a:t>
+            </a:r>
+            <a:r>
+              <a:rPr lang="it-IT" dirty="0" err="1"/>
+              <a:t>Results</a:t>
+            </a:r>
+            <a:endParaRPr lang="it-IT" dirty="0"/>
+          </a:p>
+        </p:txBody>
+      </p:sp>
+      <p:pic>
+        <p:nvPicPr>
+          <p:cNvPr id="6" name="Picture 5">
+            <a:extLst>
+              <a:ext uri="{FF2B5EF4-FFF2-40B4-BE49-F238E27FC236}">
+                <a16:creationId xmlns:a16="http://schemas.microsoft.com/office/drawing/2014/main" id="{550D6D00-BDF3-D742-A689-0E0876425E1B}"/>
+              </a:ext>
+            </a:extLst>
+          </p:cNvPr>
+          <p:cNvPicPr>
+            <a:picLocks noChangeAspect="1"/>
+          </p:cNvPicPr>
+          <p:nvPr/>
+        </p:nvPicPr>
+        <p:blipFill>
+          <a:blip r:embed="rId2"/>
+          <a:stretch>
+            <a:fillRect/>
+          </a:stretch>
+        </p:blipFill>
+        <p:spPr>
+          <a:xfrm>
+            <a:off x="0" y="2699856"/>
+            <a:ext cx="10691813" cy="2159962"/>
+          </a:xfrm>
+          <a:prstGeom prst="rect">
+            <a:avLst/>
+          </a:prstGeom>
+        </p:spPr>
+      </p:pic>
+      <p:sp>
+        <p:nvSpPr>
+          <p:cNvPr id="2" name="Rectangle 1">
+            <a:extLst>
+              <a:ext uri="{FF2B5EF4-FFF2-40B4-BE49-F238E27FC236}">
+                <a16:creationId xmlns:a16="http://schemas.microsoft.com/office/drawing/2014/main" id="{EB7B7C7D-85BF-4D4A-9E97-44016F192689}"/>
+              </a:ext>
+            </a:extLst>
+          </p:cNvPr>
+          <p:cNvSpPr/>
+          <p:nvPr/>
+        </p:nvSpPr>
+        <p:spPr>
+          <a:xfrm>
+            <a:off x="735013" y="2699856"/>
+            <a:ext cx="2487872" cy="2159962"/>
+          </a:xfrm>
+          <a:prstGeom prst="rect">
+            <a:avLst/>
+          </a:prstGeom>
+          <a:solidFill>
+            <a:schemeClr val="accent1">
+              <a:alpha val="18000"/>
+            </a:schemeClr>
+          </a:solidFill>
+        </p:spPr>
+        <p:style>
+          <a:lnRef idx="2">
+            <a:schemeClr val="accent1">
+              <a:shade val="50000"/>
+            </a:schemeClr>
+          </a:lnRef>
+          <a:fillRef idx="1">
+            <a:schemeClr val="accent1"/>
+          </a:fillRef>
+          <a:effectRef idx="0">
+            <a:schemeClr val="accent1"/>
+          </a:effectRef>
+          <a:fontRef idx="minor">
+            <a:schemeClr val="lt1"/>
+          </a:fontRef>
+        </p:style>
+        <p:txBody>
+          <a:bodyPr rtlCol="0" anchor="ctr"/>
+          <a:lstStyle/>
+          <a:p>
+            <a:pPr algn="ctr"/>
+            <a:endParaRPr lang="it-IT" dirty="0"/>
+          </a:p>
+        </p:txBody>
+      </p:sp>
+      <p:sp>
+        <p:nvSpPr>
+          <p:cNvPr id="5" name="TextBox 4">
+            <a:extLst>
+              <a:ext uri="{FF2B5EF4-FFF2-40B4-BE49-F238E27FC236}">
+                <a16:creationId xmlns:a16="http://schemas.microsoft.com/office/drawing/2014/main" id="{72CD8B6B-6A1B-9240-B82F-BA7B09642DCB}"/>
+              </a:ext>
+            </a:extLst>
+          </p:cNvPr>
+          <p:cNvSpPr txBox="1"/>
+          <p:nvPr/>
+        </p:nvSpPr>
+        <p:spPr>
+          <a:xfrm>
+            <a:off x="2053652" y="5156616"/>
+            <a:ext cx="4281834" cy="1200329"/>
+          </a:xfrm>
+          <a:prstGeom prst="rect">
+            <a:avLst/>
+          </a:prstGeom>
+          <a:noFill/>
+        </p:spPr>
+        <p:txBody>
+          <a:bodyPr wrap="square" rtlCol="0">
+            <a:spAutoFit/>
+          </a:bodyPr>
+          <a:lstStyle/>
+          <a:p>
+            <a:r>
+              <a:rPr lang="it-IT" dirty="0"/>
+              <a:t>2. </a:t>
+            </a:r>
+            <a:r>
+              <a:rPr lang="it-IT" dirty="0" err="1"/>
+              <a:t>We</a:t>
+            </a:r>
+            <a:r>
+              <a:rPr lang="it-IT" dirty="0"/>
+              <a:t> are building a </a:t>
+            </a:r>
+            <a:r>
+              <a:rPr lang="it-IT" dirty="0" err="1"/>
+              <a:t>scraper</a:t>
+            </a:r>
+            <a:r>
+              <a:rPr lang="it-IT" dirty="0"/>
+              <a:t> to look for the </a:t>
+            </a:r>
+            <a:r>
+              <a:rPr lang="it-IT" dirty="0" err="1"/>
+              <a:t>sources</a:t>
+            </a:r>
+            <a:r>
+              <a:rPr lang="it-IT" dirty="0"/>
+              <a:t> </a:t>
+            </a:r>
+            <a:r>
+              <a:rPr lang="it-IT" dirty="0" err="1"/>
+              <a:t>themselves</a:t>
+            </a:r>
+            <a:r>
+              <a:rPr lang="it-IT" dirty="0"/>
+              <a:t> and </a:t>
+            </a:r>
+            <a:r>
+              <a:rPr lang="it-IT" dirty="0" err="1"/>
+              <a:t>evaluate</a:t>
+            </a:r>
+            <a:r>
+              <a:rPr lang="it-IT" dirty="0"/>
+              <a:t> </a:t>
+            </a:r>
+            <a:r>
+              <a:rPr lang="it-IT" dirty="0" err="1"/>
+              <a:t>them</a:t>
+            </a:r>
+            <a:r>
+              <a:rPr lang="it-IT" dirty="0"/>
+              <a:t> with an </a:t>
+            </a:r>
+            <a:r>
+              <a:rPr lang="it-IT" dirty="0" err="1"/>
+              <a:t>early-level</a:t>
+            </a:r>
+            <a:r>
+              <a:rPr lang="it-IT" dirty="0"/>
+              <a:t> </a:t>
+            </a:r>
+            <a:r>
+              <a:rPr lang="it-IT" dirty="0" err="1"/>
+              <a:t>observational</a:t>
+            </a:r>
+            <a:r>
+              <a:rPr lang="it-IT" dirty="0"/>
+              <a:t> </a:t>
+            </a:r>
+            <a:r>
+              <a:rPr lang="it-IT" dirty="0" err="1"/>
+              <a:t>assessment</a:t>
+            </a:r>
+            <a:endParaRPr lang="it-IT" dirty="0"/>
+          </a:p>
+        </p:txBody>
+      </p:sp>
+      <p:sp>
+        <p:nvSpPr>
+          <p:cNvPr id="7" name="Rectangle 6">
+            <a:extLst>
+              <a:ext uri="{FF2B5EF4-FFF2-40B4-BE49-F238E27FC236}">
+                <a16:creationId xmlns:a16="http://schemas.microsoft.com/office/drawing/2014/main" id="{E7E91EA1-872D-4C48-AFED-A9FB5CD01416}"/>
+              </a:ext>
+            </a:extLst>
+          </p:cNvPr>
+          <p:cNvSpPr/>
+          <p:nvPr/>
+        </p:nvSpPr>
+        <p:spPr>
+          <a:xfrm>
+            <a:off x="3184299" y="2699855"/>
+            <a:ext cx="2334758" cy="2159962"/>
+          </a:xfrm>
+          <a:prstGeom prst="rect">
+            <a:avLst/>
+          </a:prstGeom>
+          <a:solidFill>
+            <a:schemeClr val="accent1">
+              <a:alpha val="18000"/>
+            </a:schemeClr>
+          </a:solidFill>
+        </p:spPr>
+        <p:style>
+          <a:lnRef idx="2">
+            <a:schemeClr val="accent1">
+              <a:shade val="50000"/>
+            </a:schemeClr>
+          </a:lnRef>
+          <a:fillRef idx="1">
+            <a:schemeClr val="accent1"/>
+          </a:fillRef>
+          <a:effectRef idx="0">
+            <a:schemeClr val="accent1"/>
+          </a:effectRef>
+          <a:fontRef idx="minor">
+            <a:schemeClr val="lt1"/>
+          </a:fontRef>
+        </p:style>
+        <p:txBody>
+          <a:bodyPr rtlCol="0" anchor="ctr"/>
+          <a:lstStyle/>
+          <a:p>
+            <a:pPr algn="ctr"/>
+            <a:endParaRPr lang="it-IT" dirty="0"/>
+          </a:p>
+        </p:txBody>
+      </p:sp>
+      <p:sp>
+        <p:nvSpPr>
+          <p:cNvPr id="8" name="Rectangle 7">
+            <a:extLst>
+              <a:ext uri="{FF2B5EF4-FFF2-40B4-BE49-F238E27FC236}">
+                <a16:creationId xmlns:a16="http://schemas.microsoft.com/office/drawing/2014/main" id="{0CD9918A-EC88-B946-BADF-A7A7EDC5F542}"/>
+              </a:ext>
+            </a:extLst>
+          </p:cNvPr>
+          <p:cNvSpPr/>
+          <p:nvPr/>
+        </p:nvSpPr>
+        <p:spPr>
+          <a:xfrm>
+            <a:off x="227" y="2699855"/>
+            <a:ext cx="734786" cy="2159962"/>
+          </a:xfrm>
+          <a:prstGeom prst="rect">
+            <a:avLst/>
+          </a:prstGeom>
+          <a:solidFill>
+            <a:schemeClr val="accent1">
+              <a:alpha val="18000"/>
+            </a:schemeClr>
+          </a:solidFill>
+        </p:spPr>
+        <p:style>
+          <a:lnRef idx="2">
+            <a:schemeClr val="accent1">
+              <a:shade val="50000"/>
+            </a:schemeClr>
+          </a:lnRef>
+          <a:fillRef idx="1">
+            <a:schemeClr val="accent1"/>
+          </a:fillRef>
+          <a:effectRef idx="0">
+            <a:schemeClr val="accent1"/>
+          </a:effectRef>
+          <a:fontRef idx="minor">
+            <a:schemeClr val="lt1"/>
+          </a:fontRef>
+        </p:style>
+        <p:txBody>
+          <a:bodyPr rtlCol="0" anchor="ctr"/>
+          <a:lstStyle/>
+          <a:p>
+            <a:pPr algn="ctr"/>
+            <a:endParaRPr lang="it-IT" dirty="0"/>
+          </a:p>
+        </p:txBody>
+      </p:sp>
+      <p:cxnSp>
+        <p:nvCxnSpPr>
+          <p:cNvPr id="9" name="Straight Arrow Connector 8">
+            <a:extLst>
+              <a:ext uri="{FF2B5EF4-FFF2-40B4-BE49-F238E27FC236}">
+                <a16:creationId xmlns:a16="http://schemas.microsoft.com/office/drawing/2014/main" id="{9DEA7701-F2A4-094C-BB9F-F5C139DE64CE}"/>
+              </a:ext>
+            </a:extLst>
+          </p:cNvPr>
+          <p:cNvCxnSpPr>
+            <a:cxnSpLocks/>
+          </p:cNvCxnSpPr>
+          <p:nvPr/>
+        </p:nvCxnSpPr>
+        <p:spPr>
+          <a:xfrm flipH="1" flipV="1">
+            <a:off x="467466" y="4970905"/>
+            <a:ext cx="1511483" cy="508876"/>
+          </a:xfrm>
+          <a:prstGeom prst="straightConnector1">
+            <a:avLst/>
+          </a:prstGeom>
+          <a:ln>
+            <a:tailEnd type="triangle"/>
+          </a:ln>
+        </p:spPr>
+        <p:style>
+          <a:lnRef idx="1">
+            <a:schemeClr val="accent1"/>
+          </a:lnRef>
+          <a:fillRef idx="0">
+            <a:schemeClr val="accent1"/>
+          </a:fillRef>
+          <a:effectRef idx="0">
+            <a:schemeClr val="accent1"/>
+          </a:effectRef>
+          <a:fontRef idx="minor">
+            <a:schemeClr val="tx1"/>
+          </a:fontRef>
+        </p:style>
+      </p:cxnSp>
+      <p:cxnSp>
+        <p:nvCxnSpPr>
+          <p:cNvPr id="12" name="Straight Arrow Connector 11">
+            <a:extLst>
+              <a:ext uri="{FF2B5EF4-FFF2-40B4-BE49-F238E27FC236}">
+                <a16:creationId xmlns:a16="http://schemas.microsoft.com/office/drawing/2014/main" id="{E5074452-3074-F549-A434-BEFA0F79610A}"/>
+              </a:ext>
+            </a:extLst>
+          </p:cNvPr>
+          <p:cNvCxnSpPr>
+            <a:cxnSpLocks/>
+          </p:cNvCxnSpPr>
+          <p:nvPr/>
+        </p:nvCxnSpPr>
+        <p:spPr>
+          <a:xfrm flipV="1">
+            <a:off x="3429000" y="4987234"/>
+            <a:ext cx="500124" cy="238109"/>
+          </a:xfrm>
+          <a:prstGeom prst="straightConnector1">
+            <a:avLst/>
+          </a:prstGeom>
+          <a:ln>
+            <a:tailEnd type="triangle"/>
+          </a:ln>
+        </p:spPr>
+        <p:style>
+          <a:lnRef idx="1">
+            <a:schemeClr val="accent1"/>
+          </a:lnRef>
+          <a:fillRef idx="0">
+            <a:schemeClr val="accent1"/>
+          </a:fillRef>
+          <a:effectRef idx="0">
+            <a:schemeClr val="accent1"/>
+          </a:effectRef>
+          <a:fontRef idx="minor">
+            <a:schemeClr val="tx1"/>
+          </a:fontRef>
+        </p:style>
+      </p:cxnSp>
+    </p:spTree>
+    <p:extLst>
+      <p:ext uri="{BB962C8B-B14F-4D97-AF65-F5344CB8AC3E}">
+        <p14:creationId xmlns:p14="http://schemas.microsoft.com/office/powerpoint/2010/main" val="3674189830"/>
+      </p:ext>
+    </p:extLst>
+  </p:cSld>
+  <p:clrMapOvr>
+    <a:masterClrMapping/>
+  </p:clrMapOvr>
+</p:sld>
+</file>
+
+<file path=ppt/slides/slide16.xml><?xml version="1.0" encoding="utf-8"?>
+<p:sld xmlns:a="http://schemas.openxmlformats.org/drawingml/2006/main" xmlns:r="http://schemas.openxmlformats.org/officeDocument/2006/relationships" xmlns:p="http://schemas.openxmlformats.org/presentationml/2006/main">
+  <p:cSld>
+    <p:spTree>
+      <p:nvGrpSpPr>
+        <p:cNvPr id="1" name=""/>
+        <p:cNvGrpSpPr/>
+        <p:nvPr/>
+      </p:nvGrpSpPr>
+      <p:grpSpPr>
+        <a:xfrm>
+          <a:off x="0" y="0"/>
+          <a:ext cx="0" cy="0"/>
+          <a:chOff x="0" y="0"/>
+          <a:chExt cx="0" cy="0"/>
+        </a:xfrm>
+      </p:grpSpPr>
+      <p:sp>
+        <p:nvSpPr>
+          <p:cNvPr id="3" name="Slide Number Placeholder 2">
+            <a:extLst>
+              <a:ext uri="{FF2B5EF4-FFF2-40B4-BE49-F238E27FC236}">
+                <a16:creationId xmlns:a16="http://schemas.microsoft.com/office/drawing/2014/main" id="{4B8693FE-5A05-C940-BC1B-5084ABE94D34}"/>
+              </a:ext>
+            </a:extLst>
+          </p:cNvPr>
+          <p:cNvSpPr>
+            <a:spLocks noGrp="1"/>
+          </p:cNvSpPr>
+          <p:nvPr>
+            <p:ph type="sldNum" sz="quarter" idx="12"/>
+          </p:nvPr>
+        </p:nvSpPr>
+        <p:spPr/>
+        <p:txBody>
+          <a:bodyPr/>
+          <a:lstStyle/>
+          <a:p>
+            <a:fld id="{1ECA7B76-5FFE-B84B-8D18-C32D522DFC7F}" type="slidenum">
+              <a:rPr lang="it-IT" smtClean="0"/>
+              <a:pPr/>
+              <a:t>16</a:t>
+            </a:fld>
+            <a:endParaRPr lang="it-IT" dirty="0"/>
+          </a:p>
+        </p:txBody>
+      </p:sp>
+      <p:sp>
+        <p:nvSpPr>
+          <p:cNvPr id="4" name="Text Placeholder 3">
+            <a:extLst>
+              <a:ext uri="{FF2B5EF4-FFF2-40B4-BE49-F238E27FC236}">
+                <a16:creationId xmlns:a16="http://schemas.microsoft.com/office/drawing/2014/main" id="{0B123B96-5642-8C48-8DE2-19151DBE1C41}"/>
+              </a:ext>
+            </a:extLst>
+          </p:cNvPr>
+          <p:cNvSpPr>
+            <a:spLocks noGrp="1"/>
+          </p:cNvSpPr>
+          <p:nvPr>
+            <p:ph type="body" sz="quarter" idx="13"/>
+          </p:nvPr>
+        </p:nvSpPr>
+        <p:spPr/>
+        <p:txBody>
+          <a:bodyPr>
+            <a:normAutofit fontScale="77500" lnSpcReduction="20000"/>
+          </a:bodyPr>
+          <a:lstStyle/>
+          <a:p>
+            <a:r>
+              <a:rPr lang="it-IT" dirty="0" err="1"/>
+              <a:t>Creating</a:t>
+            </a:r>
+            <a:r>
+              <a:rPr lang="it-IT" dirty="0"/>
+              <a:t> a </a:t>
+            </a:r>
+            <a:r>
+              <a:rPr lang="it-IT" dirty="0" err="1"/>
+              <a:t>Dataset</a:t>
+            </a:r>
+            <a:r>
+              <a:rPr lang="it-IT" dirty="0"/>
+              <a:t> </a:t>
+            </a:r>
+            <a:r>
+              <a:rPr lang="it-IT" dirty="0" err="1"/>
+              <a:t>Matching</a:t>
+            </a:r>
+            <a:r>
+              <a:rPr lang="it-IT" dirty="0"/>
+              <a:t> the </a:t>
+            </a:r>
+            <a:r>
+              <a:rPr lang="it-IT" dirty="0" err="1"/>
+              <a:t>Results</a:t>
+            </a:r>
+            <a:endParaRPr lang="it-IT" dirty="0"/>
+          </a:p>
+        </p:txBody>
+      </p:sp>
+      <p:sp>
+        <p:nvSpPr>
+          <p:cNvPr id="5" name="TextBox 4">
+            <a:extLst>
+              <a:ext uri="{FF2B5EF4-FFF2-40B4-BE49-F238E27FC236}">
+                <a16:creationId xmlns:a16="http://schemas.microsoft.com/office/drawing/2014/main" id="{72CD8B6B-6A1B-9240-B82F-BA7B09642DCB}"/>
+              </a:ext>
+            </a:extLst>
+          </p:cNvPr>
+          <p:cNvSpPr txBox="1"/>
+          <p:nvPr/>
+        </p:nvSpPr>
+        <p:spPr>
+          <a:xfrm>
+            <a:off x="3397487" y="5973504"/>
+            <a:ext cx="4281834" cy="1477328"/>
+          </a:xfrm>
+          <a:prstGeom prst="rect">
+            <a:avLst/>
+          </a:prstGeom>
+          <a:noFill/>
+        </p:spPr>
+        <p:txBody>
+          <a:bodyPr wrap="square" rtlCol="0">
+            <a:spAutoFit/>
+          </a:bodyPr>
+          <a:lstStyle/>
+          <a:p>
+            <a:r>
+              <a:rPr lang="it-IT" dirty="0"/>
+              <a:t>3. </a:t>
+            </a:r>
+            <a:r>
+              <a:rPr lang="it-IT" dirty="0" err="1"/>
+              <a:t>We</a:t>
+            </a:r>
+            <a:r>
+              <a:rPr lang="it-IT" dirty="0"/>
+              <a:t> are </a:t>
+            </a:r>
+            <a:r>
+              <a:rPr lang="it-IT" dirty="0" err="1"/>
+              <a:t>formalizing</a:t>
+            </a:r>
+            <a:r>
+              <a:rPr lang="it-IT" dirty="0"/>
+              <a:t> a way to </a:t>
+            </a:r>
+            <a:r>
+              <a:rPr lang="it-IT" dirty="0" err="1"/>
+              <a:t>transparently</a:t>
+            </a:r>
+            <a:r>
+              <a:rPr lang="it-IT" dirty="0"/>
+              <a:t> </a:t>
+            </a:r>
+            <a:r>
+              <a:rPr lang="it-IT" dirty="0" err="1"/>
+              <a:t>assess</a:t>
+            </a:r>
+            <a:r>
+              <a:rPr lang="it-IT" dirty="0"/>
+              <a:t> the </a:t>
+            </a:r>
+            <a:r>
+              <a:rPr lang="it-IT" dirty="0" err="1"/>
+              <a:t>level</a:t>
+            </a:r>
+            <a:r>
+              <a:rPr lang="it-IT" dirty="0"/>
+              <a:t> of </a:t>
+            </a:r>
+            <a:r>
+              <a:rPr lang="it-IT" dirty="0" err="1"/>
+              <a:t>risk</a:t>
+            </a:r>
+            <a:r>
+              <a:rPr lang="it-IT" dirty="0"/>
+              <a:t> </a:t>
+            </a:r>
+            <a:r>
+              <a:rPr lang="it-IT" dirty="0" err="1"/>
+              <a:t>as</a:t>
+            </a:r>
+            <a:r>
+              <a:rPr lang="it-IT" dirty="0"/>
+              <a:t> a </a:t>
+            </a:r>
+            <a:r>
+              <a:rPr lang="it-IT" dirty="0" err="1"/>
+              <a:t>function</a:t>
+            </a:r>
+            <a:r>
+              <a:rPr lang="it-IT" dirty="0"/>
+              <a:t> of the </a:t>
+            </a:r>
+            <a:r>
+              <a:rPr lang="it-IT" dirty="0" err="1"/>
+              <a:t>criminal</a:t>
+            </a:r>
+            <a:r>
+              <a:rPr lang="it-IT" dirty="0"/>
+              <a:t> </a:t>
+            </a:r>
+            <a:r>
+              <a:rPr lang="it-IT" dirty="0" err="1"/>
+              <a:t>activity</a:t>
+            </a:r>
+            <a:r>
+              <a:rPr lang="it-IT" dirty="0"/>
+              <a:t> </a:t>
+            </a:r>
+            <a:r>
+              <a:rPr lang="it-IT" dirty="0" err="1"/>
+              <a:t>types</a:t>
+            </a:r>
+            <a:r>
+              <a:rPr lang="it-IT" dirty="0"/>
+              <a:t> </a:t>
+            </a:r>
+            <a:r>
+              <a:rPr lang="it-IT" dirty="0" err="1"/>
+              <a:t>reported</a:t>
+            </a:r>
+            <a:r>
+              <a:rPr lang="it-IT" dirty="0"/>
+              <a:t> on the </a:t>
+            </a:r>
+            <a:r>
+              <a:rPr lang="it-IT" dirty="0" err="1"/>
+              <a:t>sources</a:t>
+            </a:r>
+            <a:r>
+              <a:rPr lang="it-IT" dirty="0"/>
+              <a:t> and the </a:t>
+            </a:r>
+            <a:r>
+              <a:rPr lang="it-IT" dirty="0" err="1"/>
+              <a:t>rest</a:t>
+            </a:r>
+            <a:r>
+              <a:rPr lang="it-IT" dirty="0"/>
+              <a:t> of </a:t>
+            </a:r>
+            <a:r>
+              <a:rPr lang="it-IT" dirty="0" err="1"/>
+              <a:t>parameters</a:t>
+            </a:r>
+            <a:endParaRPr lang="it-IT" dirty="0"/>
+          </a:p>
+        </p:txBody>
+      </p:sp>
+      <p:sp>
+        <p:nvSpPr>
+          <p:cNvPr id="7" name="Rectangle 6">
+            <a:extLst>
+              <a:ext uri="{FF2B5EF4-FFF2-40B4-BE49-F238E27FC236}">
+                <a16:creationId xmlns:a16="http://schemas.microsoft.com/office/drawing/2014/main" id="{E7E91EA1-872D-4C48-AFED-A9FB5CD01416}"/>
+              </a:ext>
+            </a:extLst>
+          </p:cNvPr>
+          <p:cNvSpPr/>
+          <p:nvPr/>
+        </p:nvSpPr>
+        <p:spPr>
+          <a:xfrm>
+            <a:off x="3184299" y="2699855"/>
+            <a:ext cx="2334758" cy="2159962"/>
+          </a:xfrm>
+          <a:prstGeom prst="rect">
+            <a:avLst/>
+          </a:prstGeom>
+          <a:solidFill>
+            <a:schemeClr val="accent1">
+              <a:alpha val="18000"/>
+            </a:schemeClr>
+          </a:solidFill>
+        </p:spPr>
+        <p:style>
+          <a:lnRef idx="2">
+            <a:schemeClr val="accent1">
+              <a:shade val="50000"/>
+            </a:schemeClr>
+          </a:lnRef>
+          <a:fillRef idx="1">
+            <a:schemeClr val="accent1"/>
+          </a:fillRef>
+          <a:effectRef idx="0">
+            <a:schemeClr val="accent1"/>
+          </a:effectRef>
+          <a:fontRef idx="minor">
+            <a:schemeClr val="lt1"/>
+          </a:fontRef>
+        </p:style>
+        <p:txBody>
+          <a:bodyPr rtlCol="0" anchor="ctr"/>
+          <a:lstStyle/>
+          <a:p>
+            <a:pPr algn="ctr"/>
+            <a:endParaRPr lang="it-IT" dirty="0"/>
+          </a:p>
+        </p:txBody>
+      </p:sp>
+      <p:cxnSp>
+        <p:nvCxnSpPr>
+          <p:cNvPr id="9" name="Straight Arrow Connector 8">
+            <a:extLst>
+              <a:ext uri="{FF2B5EF4-FFF2-40B4-BE49-F238E27FC236}">
+                <a16:creationId xmlns:a16="http://schemas.microsoft.com/office/drawing/2014/main" id="{9DEA7701-F2A4-094C-BB9F-F5C139DE64CE}"/>
+              </a:ext>
+            </a:extLst>
+          </p:cNvPr>
+          <p:cNvCxnSpPr>
+            <a:cxnSpLocks/>
+          </p:cNvCxnSpPr>
+          <p:nvPr/>
+        </p:nvCxnSpPr>
+        <p:spPr>
+          <a:xfrm flipV="1">
+            <a:off x="5538405" y="5599423"/>
+            <a:ext cx="1156974" cy="374081"/>
+          </a:xfrm>
+          <a:prstGeom prst="straightConnector1">
+            <a:avLst/>
+          </a:prstGeom>
+          <a:ln>
+            <a:tailEnd type="triangle"/>
+          </a:ln>
+        </p:spPr>
+        <p:style>
+          <a:lnRef idx="1">
+            <a:schemeClr val="accent1"/>
+          </a:lnRef>
+          <a:fillRef idx="0">
+            <a:schemeClr val="accent1"/>
+          </a:fillRef>
+          <a:effectRef idx="0">
+            <a:schemeClr val="accent1"/>
+          </a:effectRef>
+          <a:fontRef idx="minor">
+            <a:schemeClr val="tx1"/>
+          </a:fontRef>
+        </p:style>
+      </p:cxnSp>
+      <p:cxnSp>
+        <p:nvCxnSpPr>
+          <p:cNvPr id="12" name="Straight Arrow Connector 11">
+            <a:extLst>
+              <a:ext uri="{FF2B5EF4-FFF2-40B4-BE49-F238E27FC236}">
+                <a16:creationId xmlns:a16="http://schemas.microsoft.com/office/drawing/2014/main" id="{E5074452-3074-F549-A434-BEFA0F79610A}"/>
+              </a:ext>
+            </a:extLst>
+          </p:cNvPr>
+          <p:cNvCxnSpPr>
+            <a:cxnSpLocks/>
+          </p:cNvCxnSpPr>
+          <p:nvPr/>
+        </p:nvCxnSpPr>
+        <p:spPr>
+          <a:xfrm flipV="1">
+            <a:off x="3429000" y="4987234"/>
+            <a:ext cx="500124" cy="238109"/>
+          </a:xfrm>
+          <a:prstGeom prst="straightConnector1">
+            <a:avLst/>
+          </a:prstGeom>
+          <a:ln>
+            <a:tailEnd type="triangle"/>
+          </a:ln>
+        </p:spPr>
+        <p:style>
+          <a:lnRef idx="1">
+            <a:schemeClr val="accent1"/>
+          </a:lnRef>
+          <a:fillRef idx="0">
+            <a:schemeClr val="accent1"/>
+          </a:fillRef>
+          <a:effectRef idx="0">
+            <a:schemeClr val="accent1"/>
+          </a:effectRef>
+          <a:fontRef idx="minor">
+            <a:schemeClr val="tx1"/>
+          </a:fontRef>
+        </p:style>
+      </p:cxnSp>
+      <p:pic>
+        <p:nvPicPr>
+          <p:cNvPr id="11" name="Picture 10">
+            <a:extLst>
+              <a:ext uri="{FF2B5EF4-FFF2-40B4-BE49-F238E27FC236}">
+                <a16:creationId xmlns:a16="http://schemas.microsoft.com/office/drawing/2014/main" id="{61C06F00-3F5F-7A42-B519-BF8635908FEB}"/>
+              </a:ext>
+            </a:extLst>
+          </p:cNvPr>
+          <p:cNvPicPr>
+            <a:picLocks noChangeAspect="1"/>
+          </p:cNvPicPr>
+          <p:nvPr/>
+        </p:nvPicPr>
+        <p:blipFill>
+          <a:blip r:embed="rId2"/>
+          <a:stretch>
+            <a:fillRect/>
+          </a:stretch>
+        </p:blipFill>
+        <p:spPr>
+          <a:xfrm>
+            <a:off x="2713735" y="2322824"/>
+            <a:ext cx="6616700" cy="3276600"/>
+          </a:xfrm>
+          <a:prstGeom prst="rect">
+            <a:avLst/>
+          </a:prstGeom>
+        </p:spPr>
+      </p:pic>
+      <p:sp>
+        <p:nvSpPr>
+          <p:cNvPr id="2" name="Rectangle 1">
+            <a:extLst>
+              <a:ext uri="{FF2B5EF4-FFF2-40B4-BE49-F238E27FC236}">
+                <a16:creationId xmlns:a16="http://schemas.microsoft.com/office/drawing/2014/main" id="{EB7B7C7D-85BF-4D4A-9E97-44016F192689}"/>
+              </a:ext>
+            </a:extLst>
+          </p:cNvPr>
+          <p:cNvSpPr/>
+          <p:nvPr/>
+        </p:nvSpPr>
+        <p:spPr>
+          <a:xfrm>
+            <a:off x="6825343" y="2216962"/>
+            <a:ext cx="2635056" cy="3382461"/>
+          </a:xfrm>
+          <a:prstGeom prst="rect">
+            <a:avLst/>
+          </a:prstGeom>
+          <a:solidFill>
+            <a:schemeClr val="accent1">
+              <a:alpha val="18000"/>
+            </a:schemeClr>
+          </a:solidFill>
+        </p:spPr>
+        <p:style>
+          <a:lnRef idx="2">
+            <a:schemeClr val="accent1">
+              <a:shade val="50000"/>
+            </a:schemeClr>
+          </a:lnRef>
+          <a:fillRef idx="1">
+            <a:schemeClr val="accent1"/>
+          </a:fillRef>
+          <a:effectRef idx="0">
+            <a:schemeClr val="accent1"/>
+          </a:effectRef>
+          <a:fontRef idx="minor">
+            <a:schemeClr val="lt1"/>
+          </a:fontRef>
+        </p:style>
+        <p:txBody>
+          <a:bodyPr rtlCol="0" anchor="ctr"/>
+          <a:lstStyle/>
+          <a:p>
+            <a:pPr algn="ctr"/>
+            <a:endParaRPr lang="it-IT" dirty="0"/>
+          </a:p>
+        </p:txBody>
+      </p:sp>
+    </p:spTree>
+    <p:extLst>
+      <p:ext uri="{BB962C8B-B14F-4D97-AF65-F5344CB8AC3E}">
+        <p14:creationId xmlns:p14="http://schemas.microsoft.com/office/powerpoint/2010/main" val="3501501442"/>
+      </p:ext>
+    </p:extLst>
+  </p:cSld>
+  <p:clrMapOvr>
+    <a:masterClrMapping/>
+  </p:clrMapOvr>
+</p:sld>
+</file>
+
+<file path=ppt/slides/slide17.xml><?xml version="1.0" encoding="utf-8"?>
+<p:sld xmlns:a="http://schemas.openxmlformats.org/drawingml/2006/main" xmlns:r="http://schemas.openxmlformats.org/officeDocument/2006/relationships" xmlns:p="http://schemas.openxmlformats.org/presentationml/2006/main">
+  <p:cSld>
+    <p:spTree>
+      <p:nvGrpSpPr>
+        <p:cNvPr id="1" name=""/>
+        <p:cNvGrpSpPr/>
+        <p:nvPr/>
+      </p:nvGrpSpPr>
+      <p:grpSpPr>
+        <a:xfrm>
+          <a:off x="0" y="0"/>
+          <a:ext cx="0" cy="0"/>
+          <a:chOff x="0" y="0"/>
+          <a:chExt cx="0" cy="0"/>
+        </a:xfrm>
+      </p:grpSpPr>
+      <p:sp>
+        <p:nvSpPr>
           <p:cNvPr id="3" name="Segnaposto numero diapositiva 2">
             <a:extLst>
               <a:ext uri="{FF2B5EF4-FFF2-40B4-BE49-F238E27FC236}">
@@ -6270,7 +9146,7 @@
             <a:fld id="{1ECA7B76-5FFE-B84B-8D18-C32D522DFC7F}" type="slidenum">
               <a:rPr lang="it-IT" smtClean="0"/>
               <a:pPr/>
-              <a:t>10</a:t>
+              <a:t>17</a:t>
             </a:fld>
             <a:endParaRPr lang="it-IT" dirty="0"/>
           </a:p>
@@ -6941,7 +9817,7 @@
 </p:sld>
 </file>
 
-<file path=ppt/slides/slide11.xml><?xml version="1.0" encoding="utf-8"?>
+<file path=ppt/slides/slide18.xml><?xml version="1.0" encoding="utf-8"?>
 <p:sld xmlns:a="http://schemas.openxmlformats.org/drawingml/2006/main" xmlns:r="http://schemas.openxmlformats.org/officeDocument/2006/relationships" xmlns:p="http://schemas.openxmlformats.org/presentationml/2006/main">
   <p:cSld>
     <p:spTree>
@@ -6982,7 +9858,7 @@
             <a:fld id="{1ECA7B76-5FFE-B84B-8D18-C32D522DFC7F}" type="slidenum">
               <a:rPr lang="it-IT" smtClean="0"/>
               <a:pPr/>
-              <a:t>11</a:t>
+              <a:t>18</a:t>
             </a:fld>
             <a:endParaRPr lang="it-IT" dirty="0"/>
           </a:p>
@@ -7653,7 +10529,7 @@
 </p:sld>
 </file>
 
-<file path=ppt/slides/slide12.xml><?xml version="1.0" encoding="utf-8"?>
+<file path=ppt/slides/slide19.xml><?xml version="1.0" encoding="utf-8"?>
 <p:sld xmlns:a="http://schemas.openxmlformats.org/drawingml/2006/main" xmlns:r="http://schemas.openxmlformats.org/officeDocument/2006/relationships" xmlns:p="http://schemas.openxmlformats.org/presentationml/2006/main">
   <p:cSld>
     <p:spTree>
@@ -7773,7 +10649,7 @@
             <a:fld id="{1ECA7B76-5FFE-B84B-8D18-C32D522DFC7F}" type="slidenum">
               <a:rPr lang="it-IT" smtClean="0"/>
               <a:pPr algn="r"/>
-              <a:t>12</a:t>
+              <a:t>19</a:t>
             </a:fld>
             <a:endParaRPr lang="it-IT" dirty="0"/>
           </a:p>
